--- a/documentacao/ArquiteturaDeSolucao/V3.pptx
+++ b/documentacao/ArquiteturaDeSolucao/V3.pptx
@@ -5,7 +5,7 @@
     <p:sldMasterId id="2147483648" r:id="rId1"/>
   </p:sldMasterIdLst>
   <p:sldIdLst>
-    <p:sldId id="259" r:id="rId3"/>
+    <p:sldId id="259" r:id="rId2"/>
   </p:sldIdLst>
   <p:sldSz cx="12192000" cy="6858000"/>
   <p:notesSz cx="6858000" cy="9144000"/>
@@ -104,6 +104,11 @@
       </a:defRPr>
     </a:lvl9pPr>
   </p:defaultTextStyle>
+  <p:extLst>
+    <p:ext uri="{EFAFB233-063F-42B5-8137-9DF3F51BA10A}">
+      <p15:sldGuideLst xmlns:p15="http://schemas.microsoft.com/office/powerpoint/2012/main"/>
+    </p:ext>
+  </p:extLst>
 </p:presentation>
 </file>
 
@@ -128,10 +133,10 @@
         <p:nvSpPr>
           <p:cNvPr id="2" name="Título 1"/>
           <p:cNvSpPr>
-            <a:spLocks noGrp="true"/>
-          </p:cNvSpPr>
-          <p:nvPr>
-            <p:ph type="ctrTitle" hasCustomPrompt="true"/>
+            <a:spLocks noGrp="1"/>
+          </p:cNvSpPr>
+          <p:nvPr>
+            <p:ph type="ctrTitle" hasCustomPrompt="1"/>
           </p:nvPr>
         </p:nvSpPr>
         <p:spPr>
@@ -152,7 +157,6 @@
               <a:rPr lang="pt-BR"/>
               <a:t>Clique para editar o título Mestre</a:t>
             </a:r>
-            <a:endParaRPr lang="pt-BR"/>
           </a:p>
         </p:txBody>
       </p:sp>
@@ -160,7 +164,7 @@
         <p:nvSpPr>
           <p:cNvPr id="3" name="Subtítulo 2"/>
           <p:cNvSpPr>
-            <a:spLocks noGrp="true"/>
+            <a:spLocks noGrp="1"/>
           </p:cNvSpPr>
           <p:nvPr>
             <p:ph type="subTitle" idx="1"/>
@@ -217,7 +221,6 @@
               <a:rPr lang="pt-BR"/>
               <a:t>Clique para editar o estilo do subtítulo Mestre</a:t>
             </a:r>
-            <a:endParaRPr lang="pt-BR"/>
           </a:p>
         </p:txBody>
       </p:sp>
@@ -225,7 +228,7 @@
         <p:nvSpPr>
           <p:cNvPr id="4" name="Espaço Reservado para Data 3"/>
           <p:cNvSpPr>
-            <a:spLocks noGrp="true"/>
+            <a:spLocks noGrp="1"/>
           </p:cNvSpPr>
           <p:nvPr>
             <p:ph type="dt" sz="half" idx="10"/>
@@ -238,6 +241,7 @@
           <a:p>
             <a:fld id="{7CFF3949-446E-40E8-B451-13AA7A5CEF4B}" type="datetimeFigureOut">
               <a:rPr lang="pt-BR" smtClean="0"/>
+              <a:t>02/12/2020</a:t>
             </a:fld>
             <a:endParaRPr lang="pt-BR"/>
           </a:p>
@@ -247,7 +251,7 @@
         <p:nvSpPr>
           <p:cNvPr id="5" name="Espaço Reservado para Rodapé 4"/>
           <p:cNvSpPr>
-            <a:spLocks noGrp="true"/>
+            <a:spLocks noGrp="1"/>
           </p:cNvSpPr>
           <p:nvPr>
             <p:ph type="ftr" sz="quarter" idx="11"/>
@@ -266,7 +270,7 @@
         <p:nvSpPr>
           <p:cNvPr id="6" name="Espaço Reservado para Número de Slide 5"/>
           <p:cNvSpPr>
-            <a:spLocks noGrp="true"/>
+            <a:spLocks noGrp="1"/>
           </p:cNvSpPr>
           <p:nvPr>
             <p:ph type="sldNum" sz="quarter" idx="12"/>
@@ -279,6 +283,7 @@
           <a:p>
             <a:fld id="{687590E0-0A04-4CA8-8CC3-F966C60A074C}" type="slidenum">
               <a:rPr lang="pt-BR" smtClean="0"/>
+              <a:t>‹nº›</a:t>
             </a:fld>
             <a:endParaRPr lang="pt-BR"/>
           </a:p>
@@ -313,10 +318,10 @@
         <p:nvSpPr>
           <p:cNvPr id="2" name="Título 1"/>
           <p:cNvSpPr>
-            <a:spLocks noGrp="true"/>
-          </p:cNvSpPr>
-          <p:nvPr>
-            <p:ph type="title" hasCustomPrompt="true"/>
+            <a:spLocks noGrp="1"/>
+          </p:cNvSpPr>
+          <p:nvPr>
+            <p:ph type="title" hasCustomPrompt="1"/>
           </p:nvPr>
         </p:nvSpPr>
         <p:spPr/>
@@ -328,7 +333,6 @@
               <a:rPr lang="pt-BR"/>
               <a:t>Clique para editar o título Mestre</a:t>
             </a:r>
-            <a:endParaRPr lang="pt-BR"/>
           </a:p>
         </p:txBody>
       </p:sp>
@@ -336,10 +340,10 @@
         <p:nvSpPr>
           <p:cNvPr id="3" name="Espaço Reservado para Texto Vertical 2"/>
           <p:cNvSpPr>
-            <a:spLocks noGrp="true"/>
-          </p:cNvSpPr>
-          <p:nvPr>
-            <p:ph type="body" orient="vert" idx="1" hasCustomPrompt="true"/>
+            <a:spLocks noGrp="1"/>
+          </p:cNvSpPr>
+          <p:nvPr>
+            <p:ph type="body" orient="vert" idx="1" hasCustomPrompt="1"/>
           </p:nvPr>
         </p:nvSpPr>
         <p:spPr/>
@@ -352,7 +356,6 @@
               <a:rPr lang="pt-BR"/>
               <a:t>Clique para editar os estilos de texto Mestres</a:t>
             </a:r>
-            <a:endParaRPr lang="pt-BR"/>
           </a:p>
           <a:p>
             <a:pPr lvl="1"/>
@@ -360,7 +363,6 @@
               <a:rPr lang="pt-BR"/>
               <a:t>Segundo nível</a:t>
             </a:r>
-            <a:endParaRPr lang="pt-BR"/>
           </a:p>
           <a:p>
             <a:pPr lvl="2"/>
@@ -368,7 +370,6 @@
               <a:rPr lang="pt-BR"/>
               <a:t>Terceiro nível</a:t>
             </a:r>
-            <a:endParaRPr lang="pt-BR"/>
           </a:p>
           <a:p>
             <a:pPr lvl="3"/>
@@ -376,7 +377,6 @@
               <a:rPr lang="pt-BR"/>
               <a:t>Quarto nível</a:t>
             </a:r>
-            <a:endParaRPr lang="pt-BR"/>
           </a:p>
           <a:p>
             <a:pPr lvl="4"/>
@@ -384,7 +384,6 @@
               <a:rPr lang="pt-BR"/>
               <a:t>Quinto nível</a:t>
             </a:r>
-            <a:endParaRPr lang="pt-BR"/>
           </a:p>
         </p:txBody>
       </p:sp>
@@ -392,7 +391,7 @@
         <p:nvSpPr>
           <p:cNvPr id="4" name="Espaço Reservado para Data 3"/>
           <p:cNvSpPr>
-            <a:spLocks noGrp="true"/>
+            <a:spLocks noGrp="1"/>
           </p:cNvSpPr>
           <p:nvPr>
             <p:ph type="dt" sz="half" idx="10"/>
@@ -405,6 +404,7 @@
           <a:p>
             <a:fld id="{7CFF3949-446E-40E8-B451-13AA7A5CEF4B}" type="datetimeFigureOut">
               <a:rPr lang="pt-BR" smtClean="0"/>
+              <a:t>02/12/2020</a:t>
             </a:fld>
             <a:endParaRPr lang="pt-BR"/>
           </a:p>
@@ -414,7 +414,7 @@
         <p:nvSpPr>
           <p:cNvPr id="5" name="Espaço Reservado para Rodapé 4"/>
           <p:cNvSpPr>
-            <a:spLocks noGrp="true"/>
+            <a:spLocks noGrp="1"/>
           </p:cNvSpPr>
           <p:nvPr>
             <p:ph type="ftr" sz="quarter" idx="11"/>
@@ -433,7 +433,7 @@
         <p:nvSpPr>
           <p:cNvPr id="6" name="Espaço Reservado para Número de Slide 5"/>
           <p:cNvSpPr>
-            <a:spLocks noGrp="true"/>
+            <a:spLocks noGrp="1"/>
           </p:cNvSpPr>
           <p:nvPr>
             <p:ph type="sldNum" sz="quarter" idx="12"/>
@@ -446,6 +446,7 @@
           <a:p>
             <a:fld id="{687590E0-0A04-4CA8-8CC3-F966C60A074C}" type="slidenum">
               <a:rPr lang="pt-BR" smtClean="0"/>
+              <a:t>‹nº›</a:t>
             </a:fld>
             <a:endParaRPr lang="pt-BR"/>
           </a:p>
@@ -480,10 +481,10 @@
         <p:nvSpPr>
           <p:cNvPr id="2" name="Título Vertical 1"/>
           <p:cNvSpPr>
-            <a:spLocks noGrp="true"/>
-          </p:cNvSpPr>
-          <p:nvPr>
-            <p:ph type="title" orient="vert" hasCustomPrompt="true"/>
+            <a:spLocks noGrp="1"/>
+          </p:cNvSpPr>
+          <p:nvPr>
+            <p:ph type="title" orient="vert" hasCustomPrompt="1"/>
           </p:nvPr>
         </p:nvSpPr>
         <p:spPr>
@@ -500,7 +501,6 @@
               <a:rPr lang="pt-BR"/>
               <a:t>Clique para editar o título Mestre</a:t>
             </a:r>
-            <a:endParaRPr lang="pt-BR"/>
           </a:p>
         </p:txBody>
       </p:sp>
@@ -508,10 +508,10 @@
         <p:nvSpPr>
           <p:cNvPr id="3" name="Espaço Reservado para Texto Vertical 2"/>
           <p:cNvSpPr>
-            <a:spLocks noGrp="true"/>
-          </p:cNvSpPr>
-          <p:nvPr>
-            <p:ph type="body" orient="vert" idx="1" hasCustomPrompt="true"/>
+            <a:spLocks noGrp="1"/>
+          </p:cNvSpPr>
+          <p:nvPr>
+            <p:ph type="body" orient="vert" idx="1" hasCustomPrompt="1"/>
           </p:nvPr>
         </p:nvSpPr>
         <p:spPr>
@@ -529,7 +529,6 @@
               <a:rPr lang="pt-BR"/>
               <a:t>Clique para editar os estilos de texto Mestres</a:t>
             </a:r>
-            <a:endParaRPr lang="pt-BR"/>
           </a:p>
           <a:p>
             <a:pPr lvl="1"/>
@@ -537,7 +536,6 @@
               <a:rPr lang="pt-BR"/>
               <a:t>Segundo nível</a:t>
             </a:r>
-            <a:endParaRPr lang="pt-BR"/>
           </a:p>
           <a:p>
             <a:pPr lvl="2"/>
@@ -545,7 +543,6 @@
               <a:rPr lang="pt-BR"/>
               <a:t>Terceiro nível</a:t>
             </a:r>
-            <a:endParaRPr lang="pt-BR"/>
           </a:p>
           <a:p>
             <a:pPr lvl="3"/>
@@ -553,7 +550,6 @@
               <a:rPr lang="pt-BR"/>
               <a:t>Quarto nível</a:t>
             </a:r>
-            <a:endParaRPr lang="pt-BR"/>
           </a:p>
           <a:p>
             <a:pPr lvl="4"/>
@@ -561,7 +557,6 @@
               <a:rPr lang="pt-BR"/>
               <a:t>Quinto nível</a:t>
             </a:r>
-            <a:endParaRPr lang="pt-BR"/>
           </a:p>
         </p:txBody>
       </p:sp>
@@ -569,7 +564,7 @@
         <p:nvSpPr>
           <p:cNvPr id="4" name="Espaço Reservado para Data 3"/>
           <p:cNvSpPr>
-            <a:spLocks noGrp="true"/>
+            <a:spLocks noGrp="1"/>
           </p:cNvSpPr>
           <p:nvPr>
             <p:ph type="dt" sz="half" idx="10"/>
@@ -582,6 +577,7 @@
           <a:p>
             <a:fld id="{7CFF3949-446E-40E8-B451-13AA7A5CEF4B}" type="datetimeFigureOut">
               <a:rPr lang="pt-BR" smtClean="0"/>
+              <a:t>02/12/2020</a:t>
             </a:fld>
             <a:endParaRPr lang="pt-BR"/>
           </a:p>
@@ -591,7 +587,7 @@
         <p:nvSpPr>
           <p:cNvPr id="5" name="Espaço Reservado para Rodapé 4"/>
           <p:cNvSpPr>
-            <a:spLocks noGrp="true"/>
+            <a:spLocks noGrp="1"/>
           </p:cNvSpPr>
           <p:nvPr>
             <p:ph type="ftr" sz="quarter" idx="11"/>
@@ -610,7 +606,7 @@
         <p:nvSpPr>
           <p:cNvPr id="6" name="Espaço Reservado para Número de Slide 5"/>
           <p:cNvSpPr>
-            <a:spLocks noGrp="true"/>
+            <a:spLocks noGrp="1"/>
           </p:cNvSpPr>
           <p:nvPr>
             <p:ph type="sldNum" sz="quarter" idx="12"/>
@@ -623,6 +619,7 @@
           <a:p>
             <a:fld id="{687590E0-0A04-4CA8-8CC3-F966C60A074C}" type="slidenum">
               <a:rPr lang="pt-BR" smtClean="0"/>
+              <a:t>‹nº›</a:t>
             </a:fld>
             <a:endParaRPr lang="pt-BR"/>
           </a:p>
@@ -657,10 +654,10 @@
         <p:nvSpPr>
           <p:cNvPr id="2" name="Título 1"/>
           <p:cNvSpPr>
-            <a:spLocks noGrp="true"/>
-          </p:cNvSpPr>
-          <p:nvPr>
-            <p:ph type="title" hasCustomPrompt="true"/>
+            <a:spLocks noGrp="1"/>
+          </p:cNvSpPr>
+          <p:nvPr>
+            <p:ph type="title" hasCustomPrompt="1"/>
           </p:nvPr>
         </p:nvSpPr>
         <p:spPr/>
@@ -672,7 +669,6 @@
               <a:rPr lang="pt-BR"/>
               <a:t>Clique para editar o título Mestre</a:t>
             </a:r>
-            <a:endParaRPr lang="pt-BR"/>
           </a:p>
         </p:txBody>
       </p:sp>
@@ -680,10 +676,10 @@
         <p:nvSpPr>
           <p:cNvPr id="3" name="Espaço Reservado para Conteúdo 2"/>
           <p:cNvSpPr>
-            <a:spLocks noGrp="true"/>
-          </p:cNvSpPr>
-          <p:nvPr>
-            <p:ph idx="1" hasCustomPrompt="true"/>
+            <a:spLocks noGrp="1"/>
+          </p:cNvSpPr>
+          <p:nvPr>
+            <p:ph idx="1" hasCustomPrompt="1"/>
           </p:nvPr>
         </p:nvSpPr>
         <p:spPr/>
@@ -696,7 +692,6 @@
               <a:rPr lang="pt-BR"/>
               <a:t>Clique para editar os estilos de texto Mestres</a:t>
             </a:r>
-            <a:endParaRPr lang="pt-BR"/>
           </a:p>
           <a:p>
             <a:pPr lvl="1"/>
@@ -704,7 +699,6 @@
               <a:rPr lang="pt-BR"/>
               <a:t>Segundo nível</a:t>
             </a:r>
-            <a:endParaRPr lang="pt-BR"/>
           </a:p>
           <a:p>
             <a:pPr lvl="2"/>
@@ -712,7 +706,6 @@
               <a:rPr lang="pt-BR"/>
               <a:t>Terceiro nível</a:t>
             </a:r>
-            <a:endParaRPr lang="pt-BR"/>
           </a:p>
           <a:p>
             <a:pPr lvl="3"/>
@@ -720,7 +713,6 @@
               <a:rPr lang="pt-BR"/>
               <a:t>Quarto nível</a:t>
             </a:r>
-            <a:endParaRPr lang="pt-BR"/>
           </a:p>
           <a:p>
             <a:pPr lvl="4"/>
@@ -728,7 +720,6 @@
               <a:rPr lang="pt-BR"/>
               <a:t>Quinto nível</a:t>
             </a:r>
-            <a:endParaRPr lang="pt-BR"/>
           </a:p>
         </p:txBody>
       </p:sp>
@@ -736,7 +727,7 @@
         <p:nvSpPr>
           <p:cNvPr id="4" name="Espaço Reservado para Data 3"/>
           <p:cNvSpPr>
-            <a:spLocks noGrp="true"/>
+            <a:spLocks noGrp="1"/>
           </p:cNvSpPr>
           <p:nvPr>
             <p:ph type="dt" sz="half" idx="10"/>
@@ -749,6 +740,7 @@
           <a:p>
             <a:fld id="{7CFF3949-446E-40E8-B451-13AA7A5CEF4B}" type="datetimeFigureOut">
               <a:rPr lang="pt-BR" smtClean="0"/>
+              <a:t>02/12/2020</a:t>
             </a:fld>
             <a:endParaRPr lang="pt-BR"/>
           </a:p>
@@ -758,7 +750,7 @@
         <p:nvSpPr>
           <p:cNvPr id="5" name="Espaço Reservado para Rodapé 4"/>
           <p:cNvSpPr>
-            <a:spLocks noGrp="true"/>
+            <a:spLocks noGrp="1"/>
           </p:cNvSpPr>
           <p:nvPr>
             <p:ph type="ftr" sz="quarter" idx="11"/>
@@ -777,7 +769,7 @@
         <p:nvSpPr>
           <p:cNvPr id="6" name="Espaço Reservado para Número de Slide 5"/>
           <p:cNvSpPr>
-            <a:spLocks noGrp="true"/>
+            <a:spLocks noGrp="1"/>
           </p:cNvSpPr>
           <p:nvPr>
             <p:ph type="sldNum" sz="quarter" idx="12"/>
@@ -790,6 +782,7 @@
           <a:p>
             <a:fld id="{687590E0-0A04-4CA8-8CC3-F966C60A074C}" type="slidenum">
               <a:rPr lang="pt-BR" smtClean="0"/>
+              <a:t>‹nº›</a:t>
             </a:fld>
             <a:endParaRPr lang="pt-BR"/>
           </a:p>
@@ -824,10 +817,10 @@
         <p:nvSpPr>
           <p:cNvPr id="2" name="Título 1"/>
           <p:cNvSpPr>
-            <a:spLocks noGrp="true"/>
-          </p:cNvSpPr>
-          <p:nvPr>
-            <p:ph type="title" hasCustomPrompt="true"/>
+            <a:spLocks noGrp="1"/>
+          </p:cNvSpPr>
+          <p:nvPr>
+            <p:ph type="title" hasCustomPrompt="1"/>
           </p:nvPr>
         </p:nvSpPr>
         <p:spPr>
@@ -848,7 +841,6 @@
               <a:rPr lang="pt-BR"/>
               <a:t>Clique para editar o título Mestre</a:t>
             </a:r>
-            <a:endParaRPr lang="pt-BR"/>
           </a:p>
         </p:txBody>
       </p:sp>
@@ -856,10 +848,10 @@
         <p:nvSpPr>
           <p:cNvPr id="3" name="Espaço Reservado para Texto 2"/>
           <p:cNvSpPr>
-            <a:spLocks noGrp="true"/>
-          </p:cNvSpPr>
-          <p:nvPr>
-            <p:ph type="body" idx="1" hasCustomPrompt="true"/>
+            <a:spLocks noGrp="1"/>
+          </p:cNvSpPr>
+          <p:nvPr>
+            <p:ph type="body" idx="1" hasCustomPrompt="1"/>
           </p:nvPr>
         </p:nvSpPr>
         <p:spPr>
@@ -968,7 +960,6 @@
               <a:rPr lang="pt-BR"/>
               <a:t>Clique para editar os estilos de texto Mestres</a:t>
             </a:r>
-            <a:endParaRPr lang="pt-BR"/>
           </a:p>
         </p:txBody>
       </p:sp>
@@ -976,7 +967,7 @@
         <p:nvSpPr>
           <p:cNvPr id="4" name="Espaço Reservado para Data 3"/>
           <p:cNvSpPr>
-            <a:spLocks noGrp="true"/>
+            <a:spLocks noGrp="1"/>
           </p:cNvSpPr>
           <p:nvPr>
             <p:ph type="dt" sz="half" idx="10"/>
@@ -989,6 +980,7 @@
           <a:p>
             <a:fld id="{7CFF3949-446E-40E8-B451-13AA7A5CEF4B}" type="datetimeFigureOut">
               <a:rPr lang="pt-BR" smtClean="0"/>
+              <a:t>02/12/2020</a:t>
             </a:fld>
             <a:endParaRPr lang="pt-BR"/>
           </a:p>
@@ -998,7 +990,7 @@
         <p:nvSpPr>
           <p:cNvPr id="5" name="Espaço Reservado para Rodapé 4"/>
           <p:cNvSpPr>
-            <a:spLocks noGrp="true"/>
+            <a:spLocks noGrp="1"/>
           </p:cNvSpPr>
           <p:nvPr>
             <p:ph type="ftr" sz="quarter" idx="11"/>
@@ -1017,7 +1009,7 @@
         <p:nvSpPr>
           <p:cNvPr id="6" name="Espaço Reservado para Número de Slide 5"/>
           <p:cNvSpPr>
-            <a:spLocks noGrp="true"/>
+            <a:spLocks noGrp="1"/>
           </p:cNvSpPr>
           <p:nvPr>
             <p:ph type="sldNum" sz="quarter" idx="12"/>
@@ -1030,6 +1022,7 @@
           <a:p>
             <a:fld id="{687590E0-0A04-4CA8-8CC3-F966C60A074C}" type="slidenum">
               <a:rPr lang="pt-BR" smtClean="0"/>
+              <a:t>‹nº›</a:t>
             </a:fld>
             <a:endParaRPr lang="pt-BR"/>
           </a:p>
@@ -1064,10 +1057,10 @@
         <p:nvSpPr>
           <p:cNvPr id="2" name="Título 1"/>
           <p:cNvSpPr>
-            <a:spLocks noGrp="true"/>
-          </p:cNvSpPr>
-          <p:nvPr>
-            <p:ph type="title" hasCustomPrompt="true"/>
+            <a:spLocks noGrp="1"/>
+          </p:cNvSpPr>
+          <p:nvPr>
+            <p:ph type="title" hasCustomPrompt="1"/>
           </p:nvPr>
         </p:nvSpPr>
         <p:spPr/>
@@ -1079,7 +1072,6 @@
               <a:rPr lang="pt-BR"/>
               <a:t>Clique para editar o título Mestre</a:t>
             </a:r>
-            <a:endParaRPr lang="pt-BR"/>
           </a:p>
         </p:txBody>
       </p:sp>
@@ -1087,10 +1079,10 @@
         <p:nvSpPr>
           <p:cNvPr id="3" name="Espaço Reservado para Conteúdo 2"/>
           <p:cNvSpPr>
-            <a:spLocks noGrp="true"/>
-          </p:cNvSpPr>
-          <p:nvPr>
-            <p:ph sz="half" idx="1" hasCustomPrompt="true"/>
+            <a:spLocks noGrp="1"/>
+          </p:cNvSpPr>
+          <p:nvPr>
+            <p:ph sz="half" idx="1" hasCustomPrompt="1"/>
           </p:nvPr>
         </p:nvSpPr>
         <p:spPr>
@@ -1108,7 +1100,6 @@
               <a:rPr lang="pt-BR"/>
               <a:t>Clique para editar os estilos de texto Mestres</a:t>
             </a:r>
-            <a:endParaRPr lang="pt-BR"/>
           </a:p>
           <a:p>
             <a:pPr lvl="1"/>
@@ -1116,7 +1107,6 @@
               <a:rPr lang="pt-BR"/>
               <a:t>Segundo nível</a:t>
             </a:r>
-            <a:endParaRPr lang="pt-BR"/>
           </a:p>
           <a:p>
             <a:pPr lvl="2"/>
@@ -1124,7 +1114,6 @@
               <a:rPr lang="pt-BR"/>
               <a:t>Terceiro nível</a:t>
             </a:r>
-            <a:endParaRPr lang="pt-BR"/>
           </a:p>
           <a:p>
             <a:pPr lvl="3"/>
@@ -1132,7 +1121,6 @@
               <a:rPr lang="pt-BR"/>
               <a:t>Quarto nível</a:t>
             </a:r>
-            <a:endParaRPr lang="pt-BR"/>
           </a:p>
           <a:p>
             <a:pPr lvl="4"/>
@@ -1140,7 +1128,6 @@
               <a:rPr lang="pt-BR"/>
               <a:t>Quinto nível</a:t>
             </a:r>
-            <a:endParaRPr lang="pt-BR"/>
           </a:p>
         </p:txBody>
       </p:sp>
@@ -1148,10 +1135,10 @@
         <p:nvSpPr>
           <p:cNvPr id="4" name="Espaço Reservado para Conteúdo 3"/>
           <p:cNvSpPr>
-            <a:spLocks noGrp="true"/>
-          </p:cNvSpPr>
-          <p:nvPr>
-            <p:ph sz="half" idx="2" hasCustomPrompt="true"/>
+            <a:spLocks noGrp="1"/>
+          </p:cNvSpPr>
+          <p:nvPr>
+            <p:ph sz="half" idx="2" hasCustomPrompt="1"/>
           </p:nvPr>
         </p:nvSpPr>
         <p:spPr>
@@ -1169,7 +1156,6 @@
               <a:rPr lang="pt-BR"/>
               <a:t>Clique para editar os estilos de texto Mestres</a:t>
             </a:r>
-            <a:endParaRPr lang="pt-BR"/>
           </a:p>
           <a:p>
             <a:pPr lvl="1"/>
@@ -1177,7 +1163,6 @@
               <a:rPr lang="pt-BR"/>
               <a:t>Segundo nível</a:t>
             </a:r>
-            <a:endParaRPr lang="pt-BR"/>
           </a:p>
           <a:p>
             <a:pPr lvl="2"/>
@@ -1185,7 +1170,6 @@
               <a:rPr lang="pt-BR"/>
               <a:t>Terceiro nível</a:t>
             </a:r>
-            <a:endParaRPr lang="pt-BR"/>
           </a:p>
           <a:p>
             <a:pPr lvl="3"/>
@@ -1193,7 +1177,6 @@
               <a:rPr lang="pt-BR"/>
               <a:t>Quarto nível</a:t>
             </a:r>
-            <a:endParaRPr lang="pt-BR"/>
           </a:p>
           <a:p>
             <a:pPr lvl="4"/>
@@ -1201,7 +1184,6 @@
               <a:rPr lang="pt-BR"/>
               <a:t>Quinto nível</a:t>
             </a:r>
-            <a:endParaRPr lang="pt-BR"/>
           </a:p>
         </p:txBody>
       </p:sp>
@@ -1209,7 +1191,7 @@
         <p:nvSpPr>
           <p:cNvPr id="5" name="Espaço Reservado para Data 4"/>
           <p:cNvSpPr>
-            <a:spLocks noGrp="true"/>
+            <a:spLocks noGrp="1"/>
           </p:cNvSpPr>
           <p:nvPr>
             <p:ph type="dt" sz="half" idx="10"/>
@@ -1222,6 +1204,7 @@
           <a:p>
             <a:fld id="{7CFF3949-446E-40E8-B451-13AA7A5CEF4B}" type="datetimeFigureOut">
               <a:rPr lang="pt-BR" smtClean="0"/>
+              <a:t>02/12/2020</a:t>
             </a:fld>
             <a:endParaRPr lang="pt-BR"/>
           </a:p>
@@ -1231,7 +1214,7 @@
         <p:nvSpPr>
           <p:cNvPr id="6" name="Espaço Reservado para Rodapé 5"/>
           <p:cNvSpPr>
-            <a:spLocks noGrp="true"/>
+            <a:spLocks noGrp="1"/>
           </p:cNvSpPr>
           <p:nvPr>
             <p:ph type="ftr" sz="quarter" idx="11"/>
@@ -1250,7 +1233,7 @@
         <p:nvSpPr>
           <p:cNvPr id="7" name="Espaço Reservado para Número de Slide 6"/>
           <p:cNvSpPr>
-            <a:spLocks noGrp="true"/>
+            <a:spLocks noGrp="1"/>
           </p:cNvSpPr>
           <p:nvPr>
             <p:ph type="sldNum" sz="quarter" idx="12"/>
@@ -1263,6 +1246,7 @@
           <a:p>
             <a:fld id="{687590E0-0A04-4CA8-8CC3-F966C60A074C}" type="slidenum">
               <a:rPr lang="pt-BR" smtClean="0"/>
+              <a:t>‹nº›</a:t>
             </a:fld>
             <a:endParaRPr lang="pt-BR"/>
           </a:p>
@@ -1297,10 +1281,10 @@
         <p:nvSpPr>
           <p:cNvPr id="2" name="Título 1"/>
           <p:cNvSpPr>
-            <a:spLocks noGrp="true"/>
-          </p:cNvSpPr>
-          <p:nvPr>
-            <p:ph type="title" hasCustomPrompt="true"/>
+            <a:spLocks noGrp="1"/>
+          </p:cNvSpPr>
+          <p:nvPr>
+            <p:ph type="title" hasCustomPrompt="1"/>
           </p:nvPr>
         </p:nvSpPr>
         <p:spPr>
@@ -1317,7 +1301,6 @@
               <a:rPr lang="pt-BR"/>
               <a:t>Clique para editar o título Mestre</a:t>
             </a:r>
-            <a:endParaRPr lang="pt-BR"/>
           </a:p>
         </p:txBody>
       </p:sp>
@@ -1325,10 +1308,10 @@
         <p:nvSpPr>
           <p:cNvPr id="3" name="Espaço Reservado para Texto 2"/>
           <p:cNvSpPr>
-            <a:spLocks noGrp="true"/>
-          </p:cNvSpPr>
-          <p:nvPr>
-            <p:ph type="body" idx="1" hasCustomPrompt="true"/>
+            <a:spLocks noGrp="1"/>
+          </p:cNvSpPr>
+          <p:nvPr>
+            <p:ph type="body" idx="1" hasCustomPrompt="1"/>
           </p:nvPr>
         </p:nvSpPr>
         <p:spPr>
@@ -1383,7 +1366,6 @@
               <a:rPr lang="pt-BR"/>
               <a:t>Clique para editar os estilos de texto Mestres</a:t>
             </a:r>
-            <a:endParaRPr lang="pt-BR"/>
           </a:p>
         </p:txBody>
       </p:sp>
@@ -1391,10 +1373,10 @@
         <p:nvSpPr>
           <p:cNvPr id="4" name="Espaço Reservado para Conteúdo 3"/>
           <p:cNvSpPr>
-            <a:spLocks noGrp="true"/>
-          </p:cNvSpPr>
-          <p:nvPr>
-            <p:ph sz="half" idx="2" hasCustomPrompt="true"/>
+            <a:spLocks noGrp="1"/>
+          </p:cNvSpPr>
+          <p:nvPr>
+            <p:ph sz="half" idx="2" hasCustomPrompt="1"/>
           </p:nvPr>
         </p:nvSpPr>
         <p:spPr>
@@ -1412,7 +1394,6 @@
               <a:rPr lang="pt-BR"/>
               <a:t>Clique para editar os estilos de texto Mestres</a:t>
             </a:r>
-            <a:endParaRPr lang="pt-BR"/>
           </a:p>
           <a:p>
             <a:pPr lvl="1"/>
@@ -1420,7 +1401,6 @@
               <a:rPr lang="pt-BR"/>
               <a:t>Segundo nível</a:t>
             </a:r>
-            <a:endParaRPr lang="pt-BR"/>
           </a:p>
           <a:p>
             <a:pPr lvl="2"/>
@@ -1428,7 +1408,6 @@
               <a:rPr lang="pt-BR"/>
               <a:t>Terceiro nível</a:t>
             </a:r>
-            <a:endParaRPr lang="pt-BR"/>
           </a:p>
           <a:p>
             <a:pPr lvl="3"/>
@@ -1436,7 +1415,6 @@
               <a:rPr lang="pt-BR"/>
               <a:t>Quarto nível</a:t>
             </a:r>
-            <a:endParaRPr lang="pt-BR"/>
           </a:p>
           <a:p>
             <a:pPr lvl="4"/>
@@ -1444,7 +1422,6 @@
               <a:rPr lang="pt-BR"/>
               <a:t>Quinto nível</a:t>
             </a:r>
-            <a:endParaRPr lang="pt-BR"/>
           </a:p>
         </p:txBody>
       </p:sp>
@@ -1452,10 +1429,10 @@
         <p:nvSpPr>
           <p:cNvPr id="5" name="Espaço Reservado para Texto 4"/>
           <p:cNvSpPr>
-            <a:spLocks noGrp="true"/>
-          </p:cNvSpPr>
-          <p:nvPr>
-            <p:ph type="body" sz="quarter" idx="3" hasCustomPrompt="true"/>
+            <a:spLocks noGrp="1"/>
+          </p:cNvSpPr>
+          <p:nvPr>
+            <p:ph type="body" sz="quarter" idx="3" hasCustomPrompt="1"/>
           </p:nvPr>
         </p:nvSpPr>
         <p:spPr>
@@ -1510,7 +1487,6 @@
               <a:rPr lang="pt-BR"/>
               <a:t>Clique para editar os estilos de texto Mestres</a:t>
             </a:r>
-            <a:endParaRPr lang="pt-BR"/>
           </a:p>
         </p:txBody>
       </p:sp>
@@ -1518,10 +1494,10 @@
         <p:nvSpPr>
           <p:cNvPr id="6" name="Espaço Reservado para Conteúdo 5"/>
           <p:cNvSpPr>
-            <a:spLocks noGrp="true"/>
-          </p:cNvSpPr>
-          <p:nvPr>
-            <p:ph sz="quarter" idx="4" hasCustomPrompt="true"/>
+            <a:spLocks noGrp="1"/>
+          </p:cNvSpPr>
+          <p:nvPr>
+            <p:ph sz="quarter" idx="4" hasCustomPrompt="1"/>
           </p:nvPr>
         </p:nvSpPr>
         <p:spPr>
@@ -1539,7 +1515,6 @@
               <a:rPr lang="pt-BR"/>
               <a:t>Clique para editar os estilos de texto Mestres</a:t>
             </a:r>
-            <a:endParaRPr lang="pt-BR"/>
           </a:p>
           <a:p>
             <a:pPr lvl="1"/>
@@ -1547,7 +1522,6 @@
               <a:rPr lang="pt-BR"/>
               <a:t>Segundo nível</a:t>
             </a:r>
-            <a:endParaRPr lang="pt-BR"/>
           </a:p>
           <a:p>
             <a:pPr lvl="2"/>
@@ -1555,7 +1529,6 @@
               <a:rPr lang="pt-BR"/>
               <a:t>Terceiro nível</a:t>
             </a:r>
-            <a:endParaRPr lang="pt-BR"/>
           </a:p>
           <a:p>
             <a:pPr lvl="3"/>
@@ -1563,7 +1536,6 @@
               <a:rPr lang="pt-BR"/>
               <a:t>Quarto nível</a:t>
             </a:r>
-            <a:endParaRPr lang="pt-BR"/>
           </a:p>
           <a:p>
             <a:pPr lvl="4"/>
@@ -1571,7 +1543,6 @@
               <a:rPr lang="pt-BR"/>
               <a:t>Quinto nível</a:t>
             </a:r>
-            <a:endParaRPr lang="pt-BR"/>
           </a:p>
         </p:txBody>
       </p:sp>
@@ -1579,7 +1550,7 @@
         <p:nvSpPr>
           <p:cNvPr id="7" name="Espaço Reservado para Data 6"/>
           <p:cNvSpPr>
-            <a:spLocks noGrp="true"/>
+            <a:spLocks noGrp="1"/>
           </p:cNvSpPr>
           <p:nvPr>
             <p:ph type="dt" sz="half" idx="10"/>
@@ -1592,6 +1563,7 @@
           <a:p>
             <a:fld id="{7CFF3949-446E-40E8-B451-13AA7A5CEF4B}" type="datetimeFigureOut">
               <a:rPr lang="pt-BR" smtClean="0"/>
+              <a:t>02/12/2020</a:t>
             </a:fld>
             <a:endParaRPr lang="pt-BR"/>
           </a:p>
@@ -1601,7 +1573,7 @@
         <p:nvSpPr>
           <p:cNvPr id="8" name="Espaço Reservado para Rodapé 7"/>
           <p:cNvSpPr>
-            <a:spLocks noGrp="true"/>
+            <a:spLocks noGrp="1"/>
           </p:cNvSpPr>
           <p:nvPr>
             <p:ph type="ftr" sz="quarter" idx="11"/>
@@ -1620,7 +1592,7 @@
         <p:nvSpPr>
           <p:cNvPr id="9" name="Espaço Reservado para Número de Slide 8"/>
           <p:cNvSpPr>
-            <a:spLocks noGrp="true"/>
+            <a:spLocks noGrp="1"/>
           </p:cNvSpPr>
           <p:nvPr>
             <p:ph type="sldNum" sz="quarter" idx="12"/>
@@ -1633,6 +1605,7 @@
           <a:p>
             <a:fld id="{687590E0-0A04-4CA8-8CC3-F966C60A074C}" type="slidenum">
               <a:rPr lang="pt-BR" smtClean="0"/>
+              <a:t>‹nº›</a:t>
             </a:fld>
             <a:endParaRPr lang="pt-BR"/>
           </a:p>
@@ -1667,10 +1640,10 @@
         <p:nvSpPr>
           <p:cNvPr id="2" name="Título 1"/>
           <p:cNvSpPr>
-            <a:spLocks noGrp="true"/>
-          </p:cNvSpPr>
-          <p:nvPr>
-            <p:ph type="title" hasCustomPrompt="true"/>
+            <a:spLocks noGrp="1"/>
+          </p:cNvSpPr>
+          <p:nvPr>
+            <p:ph type="title" hasCustomPrompt="1"/>
           </p:nvPr>
         </p:nvSpPr>
         <p:spPr/>
@@ -1682,7 +1655,6 @@
               <a:rPr lang="pt-BR"/>
               <a:t>Clique para editar o título Mestre</a:t>
             </a:r>
-            <a:endParaRPr lang="pt-BR"/>
           </a:p>
         </p:txBody>
       </p:sp>
@@ -1690,7 +1662,7 @@
         <p:nvSpPr>
           <p:cNvPr id="3" name="Espaço Reservado para Data 2"/>
           <p:cNvSpPr>
-            <a:spLocks noGrp="true"/>
+            <a:spLocks noGrp="1"/>
           </p:cNvSpPr>
           <p:nvPr>
             <p:ph type="dt" sz="half" idx="10"/>
@@ -1703,6 +1675,7 @@
           <a:p>
             <a:fld id="{7CFF3949-446E-40E8-B451-13AA7A5CEF4B}" type="datetimeFigureOut">
               <a:rPr lang="pt-BR" smtClean="0"/>
+              <a:t>02/12/2020</a:t>
             </a:fld>
             <a:endParaRPr lang="pt-BR"/>
           </a:p>
@@ -1712,7 +1685,7 @@
         <p:nvSpPr>
           <p:cNvPr id="4" name="Espaço Reservado para Rodapé 3"/>
           <p:cNvSpPr>
-            <a:spLocks noGrp="true"/>
+            <a:spLocks noGrp="1"/>
           </p:cNvSpPr>
           <p:nvPr>
             <p:ph type="ftr" sz="quarter" idx="11"/>
@@ -1731,7 +1704,7 @@
         <p:nvSpPr>
           <p:cNvPr id="5" name="Espaço Reservado para Número de Slide 4"/>
           <p:cNvSpPr>
-            <a:spLocks noGrp="true"/>
+            <a:spLocks noGrp="1"/>
           </p:cNvSpPr>
           <p:nvPr>
             <p:ph type="sldNum" sz="quarter" idx="12"/>
@@ -1744,6 +1717,7 @@
           <a:p>
             <a:fld id="{687590E0-0A04-4CA8-8CC3-F966C60A074C}" type="slidenum">
               <a:rPr lang="pt-BR" smtClean="0"/>
+              <a:t>‹nº›</a:t>
             </a:fld>
             <a:endParaRPr lang="pt-BR"/>
           </a:p>
@@ -1778,7 +1752,7 @@
         <p:nvSpPr>
           <p:cNvPr id="2" name="Espaço Reservado para Data 1"/>
           <p:cNvSpPr>
-            <a:spLocks noGrp="true"/>
+            <a:spLocks noGrp="1"/>
           </p:cNvSpPr>
           <p:nvPr>
             <p:ph type="dt" sz="half" idx="10"/>
@@ -1791,6 +1765,7 @@
           <a:p>
             <a:fld id="{7CFF3949-446E-40E8-B451-13AA7A5CEF4B}" type="datetimeFigureOut">
               <a:rPr lang="pt-BR" smtClean="0"/>
+              <a:t>02/12/2020</a:t>
             </a:fld>
             <a:endParaRPr lang="pt-BR"/>
           </a:p>
@@ -1800,7 +1775,7 @@
         <p:nvSpPr>
           <p:cNvPr id="3" name="Espaço Reservado para Rodapé 2"/>
           <p:cNvSpPr>
-            <a:spLocks noGrp="true"/>
+            <a:spLocks noGrp="1"/>
           </p:cNvSpPr>
           <p:nvPr>
             <p:ph type="ftr" sz="quarter" idx="11"/>
@@ -1819,7 +1794,7 @@
         <p:nvSpPr>
           <p:cNvPr id="4" name="Espaço Reservado para Número de Slide 3"/>
           <p:cNvSpPr>
-            <a:spLocks noGrp="true"/>
+            <a:spLocks noGrp="1"/>
           </p:cNvSpPr>
           <p:nvPr>
             <p:ph type="sldNum" sz="quarter" idx="12"/>
@@ -1832,6 +1807,7 @@
           <a:p>
             <a:fld id="{687590E0-0A04-4CA8-8CC3-F966C60A074C}" type="slidenum">
               <a:rPr lang="pt-BR" smtClean="0"/>
+              <a:t>‹nº›</a:t>
             </a:fld>
             <a:endParaRPr lang="pt-BR"/>
           </a:p>
@@ -1866,10 +1842,10 @@
         <p:nvSpPr>
           <p:cNvPr id="2" name="Título 1"/>
           <p:cNvSpPr>
-            <a:spLocks noGrp="true"/>
-          </p:cNvSpPr>
-          <p:nvPr>
-            <p:ph type="title" hasCustomPrompt="true"/>
+            <a:spLocks noGrp="1"/>
+          </p:cNvSpPr>
+          <p:nvPr>
+            <p:ph type="title" hasCustomPrompt="1"/>
           </p:nvPr>
         </p:nvSpPr>
         <p:spPr>
@@ -1890,7 +1866,6 @@
               <a:rPr lang="pt-BR"/>
               <a:t>Clique para editar o título Mestre</a:t>
             </a:r>
-            <a:endParaRPr lang="pt-BR"/>
           </a:p>
         </p:txBody>
       </p:sp>
@@ -1898,10 +1873,10 @@
         <p:nvSpPr>
           <p:cNvPr id="3" name="Espaço Reservado para Conteúdo 2"/>
           <p:cNvSpPr>
-            <a:spLocks noGrp="true"/>
-          </p:cNvSpPr>
-          <p:nvPr>
-            <p:ph idx="1" hasCustomPrompt="true"/>
+            <a:spLocks noGrp="1"/>
+          </p:cNvSpPr>
+          <p:nvPr>
+            <p:ph idx="1" hasCustomPrompt="1"/>
           </p:nvPr>
         </p:nvSpPr>
         <p:spPr>
@@ -1947,7 +1922,6 @@
               <a:rPr lang="pt-BR"/>
               <a:t>Clique para editar os estilos de texto Mestres</a:t>
             </a:r>
-            <a:endParaRPr lang="pt-BR"/>
           </a:p>
           <a:p>
             <a:pPr lvl="1"/>
@@ -1955,7 +1929,6 @@
               <a:rPr lang="pt-BR"/>
               <a:t>Segundo nível</a:t>
             </a:r>
-            <a:endParaRPr lang="pt-BR"/>
           </a:p>
           <a:p>
             <a:pPr lvl="2"/>
@@ -1963,7 +1936,6 @@
               <a:rPr lang="pt-BR"/>
               <a:t>Terceiro nível</a:t>
             </a:r>
-            <a:endParaRPr lang="pt-BR"/>
           </a:p>
           <a:p>
             <a:pPr lvl="3"/>
@@ -1971,7 +1943,6 @@
               <a:rPr lang="pt-BR"/>
               <a:t>Quarto nível</a:t>
             </a:r>
-            <a:endParaRPr lang="pt-BR"/>
           </a:p>
           <a:p>
             <a:pPr lvl="4"/>
@@ -1979,7 +1950,6 @@
               <a:rPr lang="pt-BR"/>
               <a:t>Quinto nível</a:t>
             </a:r>
-            <a:endParaRPr lang="pt-BR"/>
           </a:p>
         </p:txBody>
       </p:sp>
@@ -1987,10 +1957,10 @@
         <p:nvSpPr>
           <p:cNvPr id="4" name="Espaço Reservado para Texto 3"/>
           <p:cNvSpPr>
-            <a:spLocks noGrp="true"/>
-          </p:cNvSpPr>
-          <p:nvPr>
-            <p:ph type="body" sz="half" idx="2" hasCustomPrompt="true"/>
+            <a:spLocks noGrp="1"/>
+          </p:cNvSpPr>
+          <p:nvPr>
+            <p:ph type="body" sz="half" idx="2" hasCustomPrompt="1"/>
           </p:nvPr>
         </p:nvSpPr>
         <p:spPr>
@@ -2045,7 +2015,6 @@
               <a:rPr lang="pt-BR"/>
               <a:t>Clique para editar os estilos de texto Mestres</a:t>
             </a:r>
-            <a:endParaRPr lang="pt-BR"/>
           </a:p>
         </p:txBody>
       </p:sp>
@@ -2053,7 +2022,7 @@
         <p:nvSpPr>
           <p:cNvPr id="5" name="Espaço Reservado para Data 4"/>
           <p:cNvSpPr>
-            <a:spLocks noGrp="true"/>
+            <a:spLocks noGrp="1"/>
           </p:cNvSpPr>
           <p:nvPr>
             <p:ph type="dt" sz="half" idx="10"/>
@@ -2066,6 +2035,7 @@
           <a:p>
             <a:fld id="{7CFF3949-446E-40E8-B451-13AA7A5CEF4B}" type="datetimeFigureOut">
               <a:rPr lang="pt-BR" smtClean="0"/>
+              <a:t>02/12/2020</a:t>
             </a:fld>
             <a:endParaRPr lang="pt-BR"/>
           </a:p>
@@ -2075,7 +2045,7 @@
         <p:nvSpPr>
           <p:cNvPr id="6" name="Espaço Reservado para Rodapé 5"/>
           <p:cNvSpPr>
-            <a:spLocks noGrp="true"/>
+            <a:spLocks noGrp="1"/>
           </p:cNvSpPr>
           <p:nvPr>
             <p:ph type="ftr" sz="quarter" idx="11"/>
@@ -2094,7 +2064,7 @@
         <p:nvSpPr>
           <p:cNvPr id="7" name="Espaço Reservado para Número de Slide 6"/>
           <p:cNvSpPr>
-            <a:spLocks noGrp="true"/>
+            <a:spLocks noGrp="1"/>
           </p:cNvSpPr>
           <p:nvPr>
             <p:ph type="sldNum" sz="quarter" idx="12"/>
@@ -2107,6 +2077,7 @@
           <a:p>
             <a:fld id="{687590E0-0A04-4CA8-8CC3-F966C60A074C}" type="slidenum">
               <a:rPr lang="pt-BR" smtClean="0"/>
+              <a:t>‹nº›</a:t>
             </a:fld>
             <a:endParaRPr lang="pt-BR"/>
           </a:p>
@@ -2141,10 +2112,10 @@
         <p:nvSpPr>
           <p:cNvPr id="2" name="Título 1"/>
           <p:cNvSpPr>
-            <a:spLocks noGrp="true"/>
-          </p:cNvSpPr>
-          <p:nvPr>
-            <p:ph type="title" hasCustomPrompt="true"/>
+            <a:spLocks noGrp="1"/>
+          </p:cNvSpPr>
+          <p:nvPr>
+            <p:ph type="title" hasCustomPrompt="1"/>
           </p:nvPr>
         </p:nvSpPr>
         <p:spPr>
@@ -2165,7 +2136,6 @@
               <a:rPr lang="pt-BR"/>
               <a:t>Clique para editar o título Mestre</a:t>
             </a:r>
-            <a:endParaRPr lang="pt-BR"/>
           </a:p>
         </p:txBody>
       </p:sp>
@@ -2173,7 +2143,7 @@
         <p:nvSpPr>
           <p:cNvPr id="3" name="Espaço Reservado para Imagem 2"/>
           <p:cNvSpPr>
-            <a:spLocks noGrp="true"/>
+            <a:spLocks noGrp="1"/>
           </p:cNvSpPr>
           <p:nvPr>
             <p:ph type="pic" idx="1"/>
@@ -2234,10 +2204,10 @@
         <p:nvSpPr>
           <p:cNvPr id="4" name="Espaço Reservado para Texto 3"/>
           <p:cNvSpPr>
-            <a:spLocks noGrp="true"/>
-          </p:cNvSpPr>
-          <p:nvPr>
-            <p:ph type="body" sz="half" idx="2" hasCustomPrompt="true"/>
+            <a:spLocks noGrp="1"/>
+          </p:cNvSpPr>
+          <p:nvPr>
+            <p:ph type="body" sz="half" idx="2" hasCustomPrompt="1"/>
           </p:nvPr>
         </p:nvSpPr>
         <p:spPr>
@@ -2292,7 +2262,6 @@
               <a:rPr lang="pt-BR"/>
               <a:t>Clique para editar os estilos de texto Mestres</a:t>
             </a:r>
-            <a:endParaRPr lang="pt-BR"/>
           </a:p>
         </p:txBody>
       </p:sp>
@@ -2300,7 +2269,7 @@
         <p:nvSpPr>
           <p:cNvPr id="5" name="Espaço Reservado para Data 4"/>
           <p:cNvSpPr>
-            <a:spLocks noGrp="true"/>
+            <a:spLocks noGrp="1"/>
           </p:cNvSpPr>
           <p:nvPr>
             <p:ph type="dt" sz="half" idx="10"/>
@@ -2313,6 +2282,7 @@
           <a:p>
             <a:fld id="{7CFF3949-446E-40E8-B451-13AA7A5CEF4B}" type="datetimeFigureOut">
               <a:rPr lang="pt-BR" smtClean="0"/>
+              <a:t>02/12/2020</a:t>
             </a:fld>
             <a:endParaRPr lang="pt-BR"/>
           </a:p>
@@ -2322,7 +2292,7 @@
         <p:nvSpPr>
           <p:cNvPr id="6" name="Espaço Reservado para Rodapé 5"/>
           <p:cNvSpPr>
-            <a:spLocks noGrp="true"/>
+            <a:spLocks noGrp="1"/>
           </p:cNvSpPr>
           <p:nvPr>
             <p:ph type="ftr" sz="quarter" idx="11"/>
@@ -2341,7 +2311,7 @@
         <p:nvSpPr>
           <p:cNvPr id="7" name="Espaço Reservado para Número de Slide 6"/>
           <p:cNvSpPr>
-            <a:spLocks noGrp="true"/>
+            <a:spLocks noGrp="1"/>
           </p:cNvSpPr>
           <p:nvPr>
             <p:ph type="sldNum" sz="quarter" idx="12"/>
@@ -2354,6 +2324,7 @@
           <a:p>
             <a:fld id="{687590E0-0A04-4CA8-8CC3-F966C60A074C}" type="slidenum">
               <a:rPr lang="pt-BR" smtClean="0"/>
+              <a:t>‹nº›</a:t>
             </a:fld>
             <a:endParaRPr lang="pt-BR"/>
           </a:p>
@@ -2393,7 +2364,7 @@
         <p:nvSpPr>
           <p:cNvPr id="2" name="Espaço Reservado para Título 1"/>
           <p:cNvSpPr>
-            <a:spLocks noGrp="true"/>
+            <a:spLocks noGrp="1"/>
           </p:cNvSpPr>
           <p:nvPr>
             <p:ph type="title"/>
@@ -2418,7 +2389,6 @@
               <a:rPr lang="pt-BR"/>
               <a:t>Clique para editar o título Mestre</a:t>
             </a:r>
-            <a:endParaRPr lang="pt-BR"/>
           </a:p>
         </p:txBody>
       </p:sp>
@@ -2426,7 +2396,7 @@
         <p:nvSpPr>
           <p:cNvPr id="3" name="Espaço Reservado para Texto 2"/>
           <p:cNvSpPr>
-            <a:spLocks noGrp="true"/>
+            <a:spLocks noGrp="1"/>
           </p:cNvSpPr>
           <p:nvPr>
             <p:ph type="body" idx="1"/>
@@ -2452,7 +2422,6 @@
               <a:rPr lang="pt-BR"/>
               <a:t>Clique para editar os estilos de texto Mestres</a:t>
             </a:r>
-            <a:endParaRPr lang="pt-BR"/>
           </a:p>
           <a:p>
             <a:pPr lvl="1"/>
@@ -2460,7 +2429,6 @@
               <a:rPr lang="pt-BR"/>
               <a:t>Segundo nível</a:t>
             </a:r>
-            <a:endParaRPr lang="pt-BR"/>
           </a:p>
           <a:p>
             <a:pPr lvl="2"/>
@@ -2468,7 +2436,6 @@
               <a:rPr lang="pt-BR"/>
               <a:t>Terceiro nível</a:t>
             </a:r>
-            <a:endParaRPr lang="pt-BR"/>
           </a:p>
           <a:p>
             <a:pPr lvl="3"/>
@@ -2476,7 +2443,6 @@
               <a:rPr lang="pt-BR"/>
               <a:t>Quarto nível</a:t>
             </a:r>
-            <a:endParaRPr lang="pt-BR"/>
           </a:p>
           <a:p>
             <a:pPr lvl="4"/>
@@ -2484,7 +2450,6 @@
               <a:rPr lang="pt-BR"/>
               <a:t>Quinto nível</a:t>
             </a:r>
-            <a:endParaRPr lang="pt-BR"/>
           </a:p>
         </p:txBody>
       </p:sp>
@@ -2492,7 +2457,7 @@
         <p:nvSpPr>
           <p:cNvPr id="4" name="Espaço Reservado para Data 3"/>
           <p:cNvSpPr>
-            <a:spLocks noGrp="true"/>
+            <a:spLocks noGrp="1"/>
           </p:cNvSpPr>
           <p:nvPr>
             <p:ph type="dt" sz="half" idx="2"/>
@@ -2523,6 +2488,7 @@
           <a:p>
             <a:fld id="{7CFF3949-446E-40E8-B451-13AA7A5CEF4B}" type="datetimeFigureOut">
               <a:rPr lang="pt-BR" smtClean="0"/>
+              <a:t>02/12/2020</a:t>
             </a:fld>
             <a:endParaRPr lang="pt-BR"/>
           </a:p>
@@ -2532,7 +2498,7 @@
         <p:nvSpPr>
           <p:cNvPr id="5" name="Espaço Reservado para Rodapé 4"/>
           <p:cNvSpPr>
-            <a:spLocks noGrp="true"/>
+            <a:spLocks noGrp="1"/>
           </p:cNvSpPr>
           <p:nvPr>
             <p:ph type="ftr" sz="quarter" idx="3"/>
@@ -2569,7 +2535,7 @@
         <p:nvSpPr>
           <p:cNvPr id="6" name="Espaço Reservado para Número de Slide 5"/>
           <p:cNvSpPr>
-            <a:spLocks noGrp="true"/>
+            <a:spLocks noGrp="1"/>
           </p:cNvSpPr>
           <p:nvPr>
             <p:ph type="sldNum" sz="quarter" idx="4"/>
@@ -2600,6 +2566,7 @@
           <a:p>
             <a:fld id="{687590E0-0A04-4CA8-8CC3-F966C60A074C}" type="slidenum">
               <a:rPr lang="pt-BR" smtClean="0"/>
+              <a:t>‹nº›</a:t>
             </a:fld>
             <a:endParaRPr lang="pt-BR"/>
           </a:p>
@@ -2929,8 +2896,8 @@
         </p:nvSpPr>
         <p:spPr>
           <a:xfrm>
-            <a:off x="3499485" y="172720"/>
-            <a:ext cx="5474970" cy="3651250"/>
+            <a:off x="3561055" y="59055"/>
+            <a:ext cx="5203454" cy="3034943"/>
           </a:xfrm>
           <a:prstGeom prst="roundRect">
             <a:avLst>
@@ -2970,12 +2937,12 @@
       <p:sp>
         <p:nvSpPr>
           <p:cNvPr id="13" name="CaixaDeTexto 12"/>
-          <p:cNvSpPr txBox="true"/>
+          <p:cNvSpPr txBox="1"/>
           <p:nvPr/>
         </p:nvSpPr>
         <p:spPr>
           <a:xfrm>
-            <a:off x="7364095" y="172720"/>
+            <a:off x="7170686" y="171495"/>
             <a:ext cx="1511935" cy="460375"/>
           </a:xfrm>
           <a:prstGeom prst="rect">
@@ -2995,9 +2962,6 @@
               </a:rPr>
               <a:t>Web App</a:t>
             </a:r>
-            <a:endParaRPr lang="pt-PT" altLang="pt-BR" sz="2400" dirty="0">
-              <a:latin typeface="Corbel" panose="020B0503020204020204" pitchFamily="34" charset="0"/>
-            </a:endParaRPr>
           </a:p>
         </p:txBody>
       </p:sp>
@@ -3009,8 +2973,8 @@
         </p:nvSpPr>
         <p:spPr>
           <a:xfrm>
-            <a:off x="5173345" y="292100"/>
-            <a:ext cx="2190750" cy="1484630"/>
+            <a:off x="5225194" y="117393"/>
+            <a:ext cx="1789755" cy="1164590"/>
           </a:xfrm>
           <a:prstGeom prst="rect">
             <a:avLst/>
@@ -3144,7 +3108,7 @@
           <a:p>
             <a:pPr algn="ctr"/>
             <a:r>
-              <a:rPr lang="pt-PT" altLang="pt-BR" sz="1600" b="1" dirty="0" err="1">
+              <a:rPr lang="pt-PT" altLang="pt-BR" sz="1200" b="1" dirty="0">
                 <a:solidFill>
                   <a:prstClr val="white"/>
                 </a:solidFill>
@@ -3152,39 +3116,36 @@
               </a:rPr>
               <a:t>Web Application</a:t>
             </a:r>
-            <a:endParaRPr lang="pt-BR" sz="1600" dirty="0">
+          </a:p>
+          <a:p>
+            <a:pPr algn="ctr"/>
+            <a:endParaRPr lang="pt-BR" sz="1200" dirty="0">
               <a:latin typeface="Corbel" panose="020B0503020204020204" pitchFamily="34" charset="0"/>
             </a:endParaRPr>
           </a:p>
           <a:p>
             <a:pPr algn="ctr"/>
             <a:r>
-              <a:rPr lang="pt-BR" sz="1400" dirty="0">
+              <a:rPr lang="pt-BR" sz="1000" dirty="0">
                 <a:latin typeface="Corbel" panose="020B0503020204020204" pitchFamily="34" charset="0"/>
               </a:rPr>
               <a:t>[Container: Spring Boot]</a:t>
             </a:r>
-            <a:endParaRPr lang="pt-BR" sz="1400" dirty="0">
+          </a:p>
+          <a:p>
+            <a:pPr algn="ctr"/>
+            <a:endParaRPr lang="pt-BR" sz="1000" dirty="0">
               <a:latin typeface="Corbel" panose="020B0503020204020204" pitchFamily="34" charset="0"/>
             </a:endParaRPr>
           </a:p>
           <a:p>
             <a:pPr algn="ctr"/>
-            <a:endParaRPr lang="pt-BR" sz="1400" dirty="0">
-              <a:latin typeface="Corbel" panose="020B0503020204020204" pitchFamily="34" charset="0"/>
-            </a:endParaRPr>
-          </a:p>
-          <a:p>
-            <a:pPr algn="ctr"/>
-            <a:r>
-              <a:rPr lang="pt-BR" sz="1600" dirty="0">
+            <a:r>
+              <a:rPr lang="pt-BR" sz="1050" dirty="0">
                 <a:latin typeface="Corbel" panose="020B0503020204020204" pitchFamily="34" charset="0"/>
               </a:rPr>
               <a:t>Buscar, inserir e autenticar dados</a:t>
             </a:r>
-            <a:endParaRPr lang="pt-BR" sz="1600" dirty="0">
-              <a:latin typeface="Corbel" panose="020B0503020204020204" pitchFamily="34" charset="0"/>
-            </a:endParaRPr>
           </a:p>
           <a:p>
             <a:pPr algn="ctr"/>
@@ -3205,8 +3166,8 @@
         </p:nvSpPr>
         <p:spPr>
           <a:xfrm>
-            <a:off x="6617335" y="2207895"/>
-            <a:ext cx="2190750" cy="1503045"/>
+            <a:off x="6469221" y="1736733"/>
+            <a:ext cx="1789748" cy="1227923"/>
           </a:xfrm>
           <a:prstGeom prst="rect">
             <a:avLst/>
@@ -3340,7 +3301,7 @@
           <a:p>
             <a:pPr algn="ctr"/>
             <a:r>
-              <a:rPr lang="pt-BR" sz="1600" b="1" dirty="0" err="1">
+              <a:rPr lang="pt-BR" sz="1200" b="1" dirty="0" err="1">
                 <a:solidFill>
                   <a:prstClr val="white"/>
                 </a:solidFill>
@@ -3349,7 +3310,7 @@
               <a:t>ClientSide</a:t>
             </a:r>
             <a:r>
-              <a:rPr lang="pt-BR" sz="1600" b="1" dirty="0">
+              <a:rPr lang="pt-BR" sz="1200" b="1" dirty="0">
                 <a:solidFill>
                   <a:prstClr val="white"/>
                 </a:solidFill>
@@ -3357,51 +3318,57 @@
               </a:rPr>
               <a:t> Web</a:t>
             </a:r>
-            <a:endParaRPr lang="pt-BR" sz="1600" dirty="0">
-              <a:latin typeface="Corbel" panose="020B0503020204020204" pitchFamily="34" charset="0"/>
-            </a:endParaRPr>
           </a:p>
           <a:p>
             <a:pPr algn="ctr"/>
             <a:r>
-              <a:rPr lang="pt-BR" sz="1400" dirty="0">
+              <a:rPr lang="pt-BR" sz="1000" dirty="0">
+                <a:solidFill>
+                  <a:prstClr val="white"/>
+                </a:solidFill>
                 <a:latin typeface="Corbel" panose="020B0503020204020204" pitchFamily="34" charset="0"/>
               </a:rPr>
               <a:t>[Container: </a:t>
             </a:r>
             <a:r>
-              <a:rPr lang="pt-BR" sz="1400" dirty="0" err="1">
+              <a:rPr lang="pt-BR" sz="1000" dirty="0" err="1">
+                <a:solidFill>
+                  <a:prstClr val="white"/>
+                </a:solidFill>
                 <a:latin typeface="Corbel" panose="020B0503020204020204" pitchFamily="34" charset="0"/>
               </a:rPr>
               <a:t>ReactJs</a:t>
             </a:r>
             <a:r>
-              <a:rPr lang="pt-BR" sz="1400" dirty="0">
+              <a:rPr lang="pt-BR" sz="1000" dirty="0">
+                <a:solidFill>
+                  <a:prstClr val="white"/>
+                </a:solidFill>
                 <a:latin typeface="Corbel" panose="020B0503020204020204" pitchFamily="34" charset="0"/>
               </a:rPr>
               <a:t>]</a:t>
             </a:r>
-            <a:endParaRPr lang="pt-BR" sz="1400" dirty="0">
+          </a:p>
+          <a:p>
+            <a:pPr algn="ctr"/>
+            <a:endParaRPr lang="pt-BR" sz="1000" dirty="0">
+              <a:solidFill>
+                <a:prstClr val="white"/>
+              </a:solidFill>
               <a:latin typeface="Corbel" panose="020B0503020204020204" pitchFamily="34" charset="0"/>
             </a:endParaRPr>
           </a:p>
           <a:p>
             <a:pPr algn="ctr"/>
-            <a:endParaRPr lang="pt-BR" sz="1400" dirty="0">
-              <a:latin typeface="Corbel" panose="020B0503020204020204" pitchFamily="34" charset="0"/>
-            </a:endParaRPr>
-          </a:p>
-          <a:p>
-            <a:pPr algn="ctr"/>
-            <a:r>
-              <a:rPr lang="pt-BR" sz="1600" dirty="0">
+            <a:r>
+              <a:rPr lang="pt-BR" sz="1000" dirty="0">
+                <a:solidFill>
+                  <a:prstClr val="white"/>
+                </a:solidFill>
                 <a:latin typeface="Corbel" panose="020B0503020204020204" pitchFamily="34" charset="0"/>
               </a:rPr>
               <a:t>Alugar e disponibilizar garagens</a:t>
             </a:r>
-            <a:endParaRPr lang="pt-BR" sz="1800" dirty="0">
-              <a:latin typeface="Corbel" panose="020B0503020204020204" pitchFamily="34" charset="0"/>
-            </a:endParaRPr>
           </a:p>
           <a:p>
             <a:pPr algn="ctr"/>
@@ -3422,8 +3389,8 @@
         </p:nvSpPr>
         <p:spPr>
           <a:xfrm>
-            <a:off x="3917315" y="2207895"/>
-            <a:ext cx="2190750" cy="1502410"/>
+            <a:off x="4015238" y="1736733"/>
+            <a:ext cx="1789748" cy="1227404"/>
           </a:xfrm>
           <a:prstGeom prst="rect">
             <a:avLst/>
@@ -3557,7 +3524,7 @@
           <a:p>
             <a:pPr algn="ctr"/>
             <a:r>
-              <a:rPr lang="pt-BR" sz="1600" b="1" dirty="0">
+              <a:rPr lang="pt-BR" sz="1200" b="1" dirty="0">
                 <a:solidFill>
                   <a:prstClr val="white"/>
                 </a:solidFill>
@@ -3565,51 +3532,57 @@
               </a:rPr>
               <a:t>Aplicação Mobile</a:t>
             </a:r>
-            <a:endParaRPr lang="pt-BR" sz="1600" dirty="0">
-              <a:latin typeface="Corbel" panose="020B0503020204020204" pitchFamily="34" charset="0"/>
-            </a:endParaRPr>
           </a:p>
           <a:p>
             <a:pPr algn="ctr"/>
             <a:r>
-              <a:rPr lang="pt-BR" sz="1400" dirty="0">
+              <a:rPr lang="pt-BR" sz="1000" dirty="0">
+                <a:solidFill>
+                  <a:prstClr val="white"/>
+                </a:solidFill>
                 <a:latin typeface="Corbel" panose="020B0503020204020204" pitchFamily="34" charset="0"/>
               </a:rPr>
               <a:t>[Container: </a:t>
             </a:r>
             <a:r>
-              <a:rPr lang="pt-BR" sz="1400" dirty="0" err="1">
+              <a:rPr lang="pt-BR" sz="1000" dirty="0" err="1">
+                <a:solidFill>
+                  <a:prstClr val="white"/>
+                </a:solidFill>
                 <a:latin typeface="Corbel" panose="020B0503020204020204" pitchFamily="34" charset="0"/>
               </a:rPr>
               <a:t>Kotlin</a:t>
             </a:r>
             <a:r>
-              <a:rPr lang="pt-BR" sz="1400" dirty="0">
+              <a:rPr lang="pt-BR" sz="1000" dirty="0">
+                <a:solidFill>
+                  <a:prstClr val="white"/>
+                </a:solidFill>
                 <a:latin typeface="Corbel" panose="020B0503020204020204" pitchFamily="34" charset="0"/>
               </a:rPr>
               <a:t>]</a:t>
             </a:r>
-            <a:endParaRPr lang="pt-BR" sz="1400" dirty="0">
+          </a:p>
+          <a:p>
+            <a:pPr algn="ctr"/>
+            <a:endParaRPr lang="pt-BR" sz="1200" b="1" dirty="0">
+              <a:solidFill>
+                <a:prstClr val="white"/>
+              </a:solidFill>
               <a:latin typeface="Corbel" panose="020B0503020204020204" pitchFamily="34" charset="0"/>
             </a:endParaRPr>
           </a:p>
           <a:p>
             <a:pPr algn="ctr"/>
-            <a:endParaRPr lang="pt-BR" sz="1400" dirty="0">
-              <a:latin typeface="Corbel" panose="020B0503020204020204" pitchFamily="34" charset="0"/>
-            </a:endParaRPr>
-          </a:p>
-          <a:p>
-            <a:pPr algn="ctr"/>
-            <a:r>
-              <a:rPr lang="pt-BR" sz="1600" dirty="0">
+            <a:r>
+              <a:rPr lang="pt-BR" sz="1000" dirty="0">
+                <a:solidFill>
+                  <a:prstClr val="white"/>
+                </a:solidFill>
                 <a:latin typeface="Corbel" panose="020B0503020204020204" pitchFamily="34" charset="0"/>
               </a:rPr>
               <a:t>Alugar e disponibilizar garagens</a:t>
             </a:r>
-            <a:endParaRPr lang="pt-BR" sz="1600" dirty="0">
-              <a:latin typeface="Corbel" panose="020B0503020204020204" pitchFamily="34" charset="0"/>
-            </a:endParaRPr>
           </a:p>
           <a:p>
             <a:pPr algn="ctr"/>
@@ -3630,8 +3603,8 @@
         </p:nvSpPr>
         <p:spPr>
           <a:xfrm rot="16200000">
-            <a:off x="882650" y="-339725"/>
-            <a:ext cx="1699895" cy="3010535"/>
+            <a:off x="369186" y="173738"/>
+            <a:ext cx="1699895" cy="1983607"/>
           </a:xfrm>
           <a:prstGeom prst="flowChartMagneticDrum">
             <a:avLst/>
@@ -3665,6 +3638,7 @@
         </p:style>
         <p:txBody>
           <a:bodyPr rtlCol="0" anchor="ctr"/>
+          <a:lstStyle/>
           <a:p>
             <a:pPr algn="ctr"/>
             <a:endParaRPr lang="pt-BR" dirty="0"/>
@@ -3674,13 +3648,13 @@
       <p:sp>
         <p:nvSpPr>
           <p:cNvPr id="7" name="CaixaDeTexto 13"/>
-          <p:cNvSpPr txBox="true"/>
+          <p:cNvSpPr txBox="1"/>
           <p:nvPr/>
         </p:nvSpPr>
         <p:spPr>
           <a:xfrm>
-            <a:off x="328539" y="404620"/>
-            <a:ext cx="2808881" cy="1476375"/>
+            <a:off x="293763" y="499973"/>
+            <a:ext cx="1850739" cy="1331134"/>
           </a:xfrm>
           <a:prstGeom prst="rect">
             <a:avLst/>
@@ -3691,10 +3665,11 @@
           <a:bodyPr wrap="square" rtlCol="0">
             <a:spAutoFit/>
           </a:bodyPr>
+          <a:lstStyle/>
           <a:p>
             <a:pPr algn="ctr"/>
             <a:r>
-              <a:rPr lang="pt-BR" sz="2000" b="1" dirty="0" err="1">
+              <a:rPr lang="pt-BR" sz="1200" b="1" dirty="0" err="1">
                 <a:solidFill>
                   <a:schemeClr val="bg1"/>
                 </a:solidFill>
@@ -3721,7 +3696,7 @@
           <a:p>
             <a:pPr algn="ctr"/>
             <a:r>
-              <a:rPr lang="pt-BR" sz="1400" dirty="0">
+              <a:rPr lang="pt-BR" sz="1050" dirty="0">
                 <a:solidFill>
                   <a:schemeClr val="bg1"/>
                 </a:solidFill>
@@ -3729,12 +3704,6 @@
               </a:rPr>
               <a:t>(Container: SQL Server)</a:t>
             </a:r>
-            <a:endParaRPr lang="pt-BR" sz="1400" dirty="0">
-              <a:solidFill>
-                <a:schemeClr val="bg1"/>
-              </a:solidFill>
-              <a:latin typeface="Corbel" panose="020B0503020204020204" pitchFamily="34" charset="0"/>
-            </a:endParaRPr>
           </a:p>
           <a:p>
             <a:pPr algn="ctr"/>
@@ -3748,7 +3717,7 @@
           <a:p>
             <a:pPr algn="ctr"/>
             <a:r>
-              <a:rPr lang="pt-BR" sz="1400" dirty="0">
+              <a:rPr lang="pt-BR" sz="1000" dirty="0">
                 <a:solidFill>
                   <a:schemeClr val="bg1"/>
                 </a:solidFill>
@@ -3756,739 +3725,6 @@
               </a:rPr>
               <a:t>Armazena os dados dos usuários, garagens, anúncios, alugueis</a:t>
             </a:r>
-            <a:endParaRPr lang="pt-BR" sz="1400" dirty="0">
-              <a:solidFill>
-                <a:schemeClr val="bg1"/>
-              </a:solidFill>
-              <a:latin typeface="Corbel" panose="020B0503020204020204" pitchFamily="34" charset="0"/>
-            </a:endParaRPr>
-          </a:p>
-        </p:txBody>
-      </p:sp>
-      <p:sp>
-        <p:nvSpPr>
-          <p:cNvPr id="9" name="Retângulo 4"/>
-          <p:cNvSpPr/>
-          <p:nvPr/>
-        </p:nvSpPr>
-        <p:spPr>
-          <a:xfrm>
-            <a:off x="227330" y="2463800"/>
-            <a:ext cx="2566670" cy="1360170"/>
-          </a:xfrm>
-          <a:prstGeom prst="rect">
-            <a:avLst/>
-          </a:prstGeom>
-          <a:solidFill>
-            <a:schemeClr val="accent1"/>
-          </a:solidFill>
-          <a:ln>
-            <a:solidFill>
-              <a:schemeClr val="accent1"/>
-            </a:solidFill>
-          </a:ln>
-        </p:spPr>
-        <p:style>
-          <a:lnRef idx="2">
-            <a:schemeClr val="accent5">
-              <a:shade val="50000"/>
-            </a:schemeClr>
-          </a:lnRef>
-          <a:fillRef idx="1">
-            <a:schemeClr val="accent5"/>
-          </a:fillRef>
-          <a:effectRef idx="0">
-            <a:schemeClr val="accent5"/>
-          </a:effectRef>
-          <a:fontRef idx="minor">
-            <a:schemeClr val="lt1"/>
-          </a:fontRef>
-        </p:style>
-        <p:txBody>
-          <a:bodyPr rtlCol="0" anchor="t" anchorCtr="false"/>
-          <a:lstStyle>
-            <a:defPPr>
-              <a:defRPr lang="pt-BR"/>
-            </a:defPPr>
-            <a:lvl1pPr marL="0" algn="l" defTabSz="1043305" rtl="0" eaLnBrk="1" latinLnBrk="0" hangingPunct="1">
-              <a:defRPr sz="2100" kern="1200">
-                <a:solidFill>
-                  <a:schemeClr val="lt1"/>
-                </a:solidFill>
-                <a:latin typeface="+mn-lt"/>
-                <a:ea typeface="+mn-ea"/>
-                <a:cs typeface="+mn-cs"/>
-              </a:defRPr>
-            </a:lvl1pPr>
-            <a:lvl2pPr marL="521335" algn="l" defTabSz="1043305" rtl="0" eaLnBrk="1" latinLnBrk="0" hangingPunct="1">
-              <a:defRPr sz="2100" kern="1200">
-                <a:solidFill>
-                  <a:schemeClr val="lt1"/>
-                </a:solidFill>
-                <a:latin typeface="+mn-lt"/>
-                <a:ea typeface="+mn-ea"/>
-                <a:cs typeface="+mn-cs"/>
-              </a:defRPr>
-            </a:lvl2pPr>
-            <a:lvl3pPr marL="1043305" algn="l" defTabSz="1043305" rtl="0" eaLnBrk="1" latinLnBrk="0" hangingPunct="1">
-              <a:defRPr sz="2100" kern="1200">
-                <a:solidFill>
-                  <a:schemeClr val="lt1"/>
-                </a:solidFill>
-                <a:latin typeface="+mn-lt"/>
-                <a:ea typeface="+mn-ea"/>
-                <a:cs typeface="+mn-cs"/>
-              </a:defRPr>
-            </a:lvl3pPr>
-            <a:lvl4pPr marL="1564640" algn="l" defTabSz="1043305" rtl="0" eaLnBrk="1" latinLnBrk="0" hangingPunct="1">
-              <a:defRPr sz="2100" kern="1200">
-                <a:solidFill>
-                  <a:schemeClr val="lt1"/>
-                </a:solidFill>
-                <a:latin typeface="+mn-lt"/>
-                <a:ea typeface="+mn-ea"/>
-                <a:cs typeface="+mn-cs"/>
-              </a:defRPr>
-            </a:lvl4pPr>
-            <a:lvl5pPr marL="2085975" algn="l" defTabSz="1043305" rtl="0" eaLnBrk="1" latinLnBrk="0" hangingPunct="1">
-              <a:defRPr sz="2100" kern="1200">
-                <a:solidFill>
-                  <a:schemeClr val="lt1"/>
-                </a:solidFill>
-                <a:latin typeface="+mn-lt"/>
-                <a:ea typeface="+mn-ea"/>
-                <a:cs typeface="+mn-cs"/>
-              </a:defRPr>
-            </a:lvl5pPr>
-            <a:lvl6pPr marL="2607945" algn="l" defTabSz="1043305" rtl="0" eaLnBrk="1" latinLnBrk="0" hangingPunct="1">
-              <a:defRPr sz="2100" kern="1200">
-                <a:solidFill>
-                  <a:schemeClr val="lt1"/>
-                </a:solidFill>
-                <a:latin typeface="+mn-lt"/>
-                <a:ea typeface="+mn-ea"/>
-                <a:cs typeface="+mn-cs"/>
-              </a:defRPr>
-            </a:lvl6pPr>
-            <a:lvl7pPr marL="3129280" algn="l" defTabSz="1043305" rtl="0" eaLnBrk="1" latinLnBrk="0" hangingPunct="1">
-              <a:defRPr sz="2100" kern="1200">
-                <a:solidFill>
-                  <a:schemeClr val="lt1"/>
-                </a:solidFill>
-                <a:latin typeface="+mn-lt"/>
-                <a:ea typeface="+mn-ea"/>
-                <a:cs typeface="+mn-cs"/>
-              </a:defRPr>
-            </a:lvl7pPr>
-            <a:lvl8pPr marL="3650615" algn="l" defTabSz="1043305" rtl="0" eaLnBrk="1" latinLnBrk="0" hangingPunct="1">
-              <a:defRPr sz="2100" kern="1200">
-                <a:solidFill>
-                  <a:schemeClr val="lt1"/>
-                </a:solidFill>
-                <a:latin typeface="+mn-lt"/>
-                <a:ea typeface="+mn-ea"/>
-                <a:cs typeface="+mn-cs"/>
-              </a:defRPr>
-            </a:lvl8pPr>
-            <a:lvl9pPr marL="4171950" algn="l" defTabSz="1043305" rtl="0" eaLnBrk="1" latinLnBrk="0" hangingPunct="1">
-              <a:defRPr sz="2100" kern="1200">
-                <a:solidFill>
-                  <a:schemeClr val="lt1"/>
-                </a:solidFill>
-                <a:latin typeface="+mn-lt"/>
-                <a:ea typeface="+mn-ea"/>
-                <a:cs typeface="+mn-cs"/>
-              </a:defRPr>
-            </a:lvl9pPr>
-          </a:lstStyle>
-          <a:p>
-            <a:pPr algn="ctr"/>
-            <a:endParaRPr lang="pt-BR" sz="1800" dirty="0"/>
-          </a:p>
-          <a:p>
-            <a:pPr algn="ctr"/>
-            <a:r>
-              <a:rPr lang="pt-PT" altLang="pt-BR" sz="1600" b="1" dirty="0">
-                <a:solidFill>
-                  <a:prstClr val="white"/>
-                </a:solidFill>
-                <a:latin typeface="Corbel" panose="020B0503020204020204" pitchFamily="34" charset="0"/>
-              </a:rPr>
-              <a:t>Microsservice</a:t>
-            </a:r>
-            <a:endParaRPr lang="pt-BR" sz="1600" dirty="0">
-              <a:latin typeface="Corbel" panose="020B0503020204020204" pitchFamily="34" charset="0"/>
-            </a:endParaRPr>
-          </a:p>
-          <a:p>
-            <a:pPr algn="ctr"/>
-            <a:r>
-              <a:rPr lang="pt-BR" sz="1400" dirty="0">
-                <a:latin typeface="Corbel" panose="020B0503020204020204" pitchFamily="34" charset="0"/>
-              </a:rPr>
-              <a:t>[Container: </a:t>
-            </a:r>
-            <a:r>
-              <a:rPr lang="pt-PT" altLang="pt-BR" sz="1400" dirty="0" err="1">
-                <a:latin typeface="Corbel" panose="020B0503020204020204" pitchFamily="34" charset="0"/>
-              </a:rPr>
-              <a:t>NodeJs</a:t>
-            </a:r>
-            <a:r>
-              <a:rPr lang="pt-BR" sz="1400" dirty="0">
-                <a:latin typeface="Corbel" panose="020B0503020204020204" pitchFamily="34" charset="0"/>
-              </a:rPr>
-              <a:t>]</a:t>
-            </a:r>
-            <a:endParaRPr lang="pt-BR" sz="1400" dirty="0">
-              <a:latin typeface="Corbel" panose="020B0503020204020204" pitchFamily="34" charset="0"/>
-            </a:endParaRPr>
-          </a:p>
-          <a:p>
-            <a:pPr algn="ctr"/>
-            <a:endParaRPr lang="pt-BR" sz="1400" dirty="0">
-              <a:latin typeface="Corbel" panose="020B0503020204020204" pitchFamily="34" charset="0"/>
-            </a:endParaRPr>
-          </a:p>
-          <a:p>
-            <a:pPr algn="ctr"/>
-            <a:r>
-              <a:rPr lang="pt-PT" altLang="pt-BR" sz="1600" dirty="0">
-                <a:solidFill>
-                  <a:prstClr val="white"/>
-                </a:solidFill>
-                <a:latin typeface="Calibri"/>
-              </a:rPr>
-              <a:t>Chat</a:t>
-            </a:r>
-            <a:endParaRPr lang="pt-PT" altLang="pt-BR" sz="1600" dirty="0">
-              <a:solidFill>
-                <a:prstClr val="white"/>
-              </a:solidFill>
-              <a:latin typeface="Calibri"/>
-            </a:endParaRPr>
-          </a:p>
-        </p:txBody>
-      </p:sp>
-      <p:sp>
-        <p:nvSpPr>
-          <p:cNvPr id="10" name="Retângulo 4"/>
-          <p:cNvSpPr/>
-          <p:nvPr/>
-        </p:nvSpPr>
-        <p:spPr>
-          <a:xfrm>
-            <a:off x="8685530" y="5375275"/>
-            <a:ext cx="2573655" cy="1209040"/>
-          </a:xfrm>
-          <a:prstGeom prst="rect">
-            <a:avLst/>
-          </a:prstGeom>
-          <a:solidFill>
-            <a:schemeClr val="accent1"/>
-          </a:solidFill>
-          <a:ln>
-            <a:solidFill>
-              <a:schemeClr val="accent1"/>
-            </a:solidFill>
-          </a:ln>
-        </p:spPr>
-        <p:style>
-          <a:lnRef idx="2">
-            <a:schemeClr val="accent5">
-              <a:shade val="50000"/>
-            </a:schemeClr>
-          </a:lnRef>
-          <a:fillRef idx="1">
-            <a:schemeClr val="accent5"/>
-          </a:fillRef>
-          <a:effectRef idx="0">
-            <a:schemeClr val="accent5"/>
-          </a:effectRef>
-          <a:fontRef idx="minor">
-            <a:schemeClr val="lt1"/>
-          </a:fontRef>
-        </p:style>
-        <p:txBody>
-          <a:bodyPr rtlCol="0" anchor="t" anchorCtr="false"/>
-          <a:lstStyle>
-            <a:defPPr>
-              <a:defRPr lang="pt-BR"/>
-            </a:defPPr>
-            <a:lvl1pPr marL="0" algn="l" defTabSz="1043305" rtl="0" eaLnBrk="1" latinLnBrk="0" hangingPunct="1">
-              <a:defRPr sz="2100" kern="1200">
-                <a:solidFill>
-                  <a:schemeClr val="lt1"/>
-                </a:solidFill>
-                <a:latin typeface="+mn-lt"/>
-                <a:ea typeface="+mn-ea"/>
-                <a:cs typeface="+mn-cs"/>
-              </a:defRPr>
-            </a:lvl1pPr>
-            <a:lvl2pPr marL="521335" algn="l" defTabSz="1043305" rtl="0" eaLnBrk="1" latinLnBrk="0" hangingPunct="1">
-              <a:defRPr sz="2100" kern="1200">
-                <a:solidFill>
-                  <a:schemeClr val="lt1"/>
-                </a:solidFill>
-                <a:latin typeface="+mn-lt"/>
-                <a:ea typeface="+mn-ea"/>
-                <a:cs typeface="+mn-cs"/>
-              </a:defRPr>
-            </a:lvl2pPr>
-            <a:lvl3pPr marL="1043305" algn="l" defTabSz="1043305" rtl="0" eaLnBrk="1" latinLnBrk="0" hangingPunct="1">
-              <a:defRPr sz="2100" kern="1200">
-                <a:solidFill>
-                  <a:schemeClr val="lt1"/>
-                </a:solidFill>
-                <a:latin typeface="+mn-lt"/>
-                <a:ea typeface="+mn-ea"/>
-                <a:cs typeface="+mn-cs"/>
-              </a:defRPr>
-            </a:lvl3pPr>
-            <a:lvl4pPr marL="1564640" algn="l" defTabSz="1043305" rtl="0" eaLnBrk="1" latinLnBrk="0" hangingPunct="1">
-              <a:defRPr sz="2100" kern="1200">
-                <a:solidFill>
-                  <a:schemeClr val="lt1"/>
-                </a:solidFill>
-                <a:latin typeface="+mn-lt"/>
-                <a:ea typeface="+mn-ea"/>
-                <a:cs typeface="+mn-cs"/>
-              </a:defRPr>
-            </a:lvl4pPr>
-            <a:lvl5pPr marL="2085975" algn="l" defTabSz="1043305" rtl="0" eaLnBrk="1" latinLnBrk="0" hangingPunct="1">
-              <a:defRPr sz="2100" kern="1200">
-                <a:solidFill>
-                  <a:schemeClr val="lt1"/>
-                </a:solidFill>
-                <a:latin typeface="+mn-lt"/>
-                <a:ea typeface="+mn-ea"/>
-                <a:cs typeface="+mn-cs"/>
-              </a:defRPr>
-            </a:lvl5pPr>
-            <a:lvl6pPr marL="2607945" algn="l" defTabSz="1043305" rtl="0" eaLnBrk="1" latinLnBrk="0" hangingPunct="1">
-              <a:defRPr sz="2100" kern="1200">
-                <a:solidFill>
-                  <a:schemeClr val="lt1"/>
-                </a:solidFill>
-                <a:latin typeface="+mn-lt"/>
-                <a:ea typeface="+mn-ea"/>
-                <a:cs typeface="+mn-cs"/>
-              </a:defRPr>
-            </a:lvl6pPr>
-            <a:lvl7pPr marL="3129280" algn="l" defTabSz="1043305" rtl="0" eaLnBrk="1" latinLnBrk="0" hangingPunct="1">
-              <a:defRPr sz="2100" kern="1200">
-                <a:solidFill>
-                  <a:schemeClr val="lt1"/>
-                </a:solidFill>
-                <a:latin typeface="+mn-lt"/>
-                <a:ea typeface="+mn-ea"/>
-                <a:cs typeface="+mn-cs"/>
-              </a:defRPr>
-            </a:lvl7pPr>
-            <a:lvl8pPr marL="3650615" algn="l" defTabSz="1043305" rtl="0" eaLnBrk="1" latinLnBrk="0" hangingPunct="1">
-              <a:defRPr sz="2100" kern="1200">
-                <a:solidFill>
-                  <a:schemeClr val="lt1"/>
-                </a:solidFill>
-                <a:latin typeface="+mn-lt"/>
-                <a:ea typeface="+mn-ea"/>
-                <a:cs typeface="+mn-cs"/>
-              </a:defRPr>
-            </a:lvl8pPr>
-            <a:lvl9pPr marL="4171950" algn="l" defTabSz="1043305" rtl="0" eaLnBrk="1" latinLnBrk="0" hangingPunct="1">
-              <a:defRPr sz="2100" kern="1200">
-                <a:solidFill>
-                  <a:schemeClr val="lt1"/>
-                </a:solidFill>
-                <a:latin typeface="+mn-lt"/>
-                <a:ea typeface="+mn-ea"/>
-                <a:cs typeface="+mn-cs"/>
-              </a:defRPr>
-            </a:lvl9pPr>
-          </a:lstStyle>
-          <a:p>
-            <a:pPr algn="ctr"/>
-            <a:r>
-              <a:rPr lang="pt-PT" altLang="pt-BR" sz="1600" b="1" dirty="0">
-                <a:solidFill>
-                  <a:prstClr val="white"/>
-                </a:solidFill>
-                <a:latin typeface="Corbel" panose="020B0503020204020204" pitchFamily="34" charset="0"/>
-              </a:rPr>
-              <a:t>Microsservice</a:t>
-            </a:r>
-            <a:endParaRPr lang="pt-BR" sz="1600" dirty="0">
-              <a:latin typeface="Corbel" panose="020B0503020204020204" pitchFamily="34" charset="0"/>
-            </a:endParaRPr>
-          </a:p>
-          <a:p>
-            <a:pPr algn="ctr"/>
-            <a:r>
-              <a:rPr lang="pt-BR" sz="1400" dirty="0">
-                <a:latin typeface="Corbel" panose="020B0503020204020204" pitchFamily="34" charset="0"/>
-              </a:rPr>
-              <a:t>[Container: </a:t>
-            </a:r>
-            <a:r>
-              <a:rPr lang="pt-PT" altLang="pt-BR" sz="1400" dirty="0" err="1">
-                <a:latin typeface="Corbel" panose="020B0503020204020204" pitchFamily="34" charset="0"/>
-              </a:rPr>
-              <a:t>NodeJs</a:t>
-            </a:r>
-            <a:r>
-              <a:rPr lang="pt-BR" sz="1400" dirty="0">
-                <a:latin typeface="Corbel" panose="020B0503020204020204" pitchFamily="34" charset="0"/>
-              </a:rPr>
-              <a:t>]</a:t>
-            </a:r>
-            <a:endParaRPr lang="pt-BR" sz="1400" dirty="0">
-              <a:latin typeface="Corbel" panose="020B0503020204020204" pitchFamily="34" charset="0"/>
-            </a:endParaRPr>
-          </a:p>
-          <a:p>
-            <a:pPr algn="ctr"/>
-            <a:endParaRPr lang="pt-BR" sz="1400" dirty="0">
-              <a:latin typeface="Corbel" panose="020B0503020204020204" pitchFamily="34" charset="0"/>
-            </a:endParaRPr>
-          </a:p>
-          <a:p>
-            <a:pPr algn="ctr"/>
-            <a:r>
-              <a:rPr lang="pt-PT" altLang="pt-BR" sz="1600" dirty="0">
-                <a:solidFill>
-                  <a:prstClr val="white"/>
-                </a:solidFill>
-                <a:latin typeface="Calibri"/>
-              </a:rPr>
-              <a:t>Upload de imagens</a:t>
-            </a:r>
-            <a:endParaRPr lang="pt-PT" altLang="pt-BR" sz="1600" dirty="0">
-              <a:solidFill>
-                <a:prstClr val="white"/>
-              </a:solidFill>
-              <a:latin typeface="Calibri"/>
-            </a:endParaRPr>
-          </a:p>
-        </p:txBody>
-      </p:sp>
-      <p:sp>
-        <p:nvSpPr>
-          <p:cNvPr id="12" name="Retângulo 4"/>
-          <p:cNvSpPr/>
-          <p:nvPr/>
-        </p:nvSpPr>
-        <p:spPr>
-          <a:xfrm>
-            <a:off x="227330" y="3501390"/>
-            <a:ext cx="979170" cy="322580"/>
-          </a:xfrm>
-          <a:prstGeom prst="rect">
-            <a:avLst/>
-          </a:prstGeom>
-          <a:solidFill>
-            <a:schemeClr val="accent1">
-              <a:lumMod val="75000"/>
-            </a:schemeClr>
-          </a:solidFill>
-          <a:ln>
-            <a:solidFill>
-              <a:schemeClr val="accent1">
-                <a:lumMod val="75000"/>
-              </a:schemeClr>
-            </a:solidFill>
-          </a:ln>
-        </p:spPr>
-        <p:style>
-          <a:lnRef idx="2">
-            <a:schemeClr val="accent5">
-              <a:shade val="50000"/>
-            </a:schemeClr>
-          </a:lnRef>
-          <a:fillRef idx="1">
-            <a:schemeClr val="accent5"/>
-          </a:fillRef>
-          <a:effectRef idx="0">
-            <a:schemeClr val="accent5"/>
-          </a:effectRef>
-          <a:fontRef idx="minor">
-            <a:schemeClr val="lt1"/>
-          </a:fontRef>
-        </p:style>
-        <p:txBody>
-          <a:bodyPr rtlCol="0" anchor="ctr" anchorCtr="false"/>
-          <a:lstStyle>
-            <a:defPPr>
-              <a:defRPr lang="pt-BR"/>
-            </a:defPPr>
-            <a:lvl1pPr marL="0" algn="l" defTabSz="1043305" rtl="0" eaLnBrk="1" latinLnBrk="0" hangingPunct="1">
-              <a:defRPr sz="2100" kern="1200">
-                <a:solidFill>
-                  <a:schemeClr val="lt1"/>
-                </a:solidFill>
-                <a:latin typeface="+mn-lt"/>
-                <a:ea typeface="+mn-ea"/>
-                <a:cs typeface="+mn-cs"/>
-              </a:defRPr>
-            </a:lvl1pPr>
-            <a:lvl2pPr marL="521335" algn="l" defTabSz="1043305" rtl="0" eaLnBrk="1" latinLnBrk="0" hangingPunct="1">
-              <a:defRPr sz="2100" kern="1200">
-                <a:solidFill>
-                  <a:schemeClr val="lt1"/>
-                </a:solidFill>
-                <a:latin typeface="+mn-lt"/>
-                <a:ea typeface="+mn-ea"/>
-                <a:cs typeface="+mn-cs"/>
-              </a:defRPr>
-            </a:lvl2pPr>
-            <a:lvl3pPr marL="1043305" algn="l" defTabSz="1043305" rtl="0" eaLnBrk="1" latinLnBrk="0" hangingPunct="1">
-              <a:defRPr sz="2100" kern="1200">
-                <a:solidFill>
-                  <a:schemeClr val="lt1"/>
-                </a:solidFill>
-                <a:latin typeface="+mn-lt"/>
-                <a:ea typeface="+mn-ea"/>
-                <a:cs typeface="+mn-cs"/>
-              </a:defRPr>
-            </a:lvl3pPr>
-            <a:lvl4pPr marL="1564640" algn="l" defTabSz="1043305" rtl="0" eaLnBrk="1" latinLnBrk="0" hangingPunct="1">
-              <a:defRPr sz="2100" kern="1200">
-                <a:solidFill>
-                  <a:schemeClr val="lt1"/>
-                </a:solidFill>
-                <a:latin typeface="+mn-lt"/>
-                <a:ea typeface="+mn-ea"/>
-                <a:cs typeface="+mn-cs"/>
-              </a:defRPr>
-            </a:lvl4pPr>
-            <a:lvl5pPr marL="2085975" algn="l" defTabSz="1043305" rtl="0" eaLnBrk="1" latinLnBrk="0" hangingPunct="1">
-              <a:defRPr sz="2100" kern="1200">
-                <a:solidFill>
-                  <a:schemeClr val="lt1"/>
-                </a:solidFill>
-                <a:latin typeface="+mn-lt"/>
-                <a:ea typeface="+mn-ea"/>
-                <a:cs typeface="+mn-cs"/>
-              </a:defRPr>
-            </a:lvl5pPr>
-            <a:lvl6pPr marL="2607945" algn="l" defTabSz="1043305" rtl="0" eaLnBrk="1" latinLnBrk="0" hangingPunct="1">
-              <a:defRPr sz="2100" kern="1200">
-                <a:solidFill>
-                  <a:schemeClr val="lt1"/>
-                </a:solidFill>
-                <a:latin typeface="+mn-lt"/>
-                <a:ea typeface="+mn-ea"/>
-                <a:cs typeface="+mn-cs"/>
-              </a:defRPr>
-            </a:lvl6pPr>
-            <a:lvl7pPr marL="3129280" algn="l" defTabSz="1043305" rtl="0" eaLnBrk="1" latinLnBrk="0" hangingPunct="1">
-              <a:defRPr sz="2100" kern="1200">
-                <a:solidFill>
-                  <a:schemeClr val="lt1"/>
-                </a:solidFill>
-                <a:latin typeface="+mn-lt"/>
-                <a:ea typeface="+mn-ea"/>
-                <a:cs typeface="+mn-cs"/>
-              </a:defRPr>
-            </a:lvl7pPr>
-            <a:lvl8pPr marL="3650615" algn="l" defTabSz="1043305" rtl="0" eaLnBrk="1" latinLnBrk="0" hangingPunct="1">
-              <a:defRPr sz="2100" kern="1200">
-                <a:solidFill>
-                  <a:schemeClr val="lt1"/>
-                </a:solidFill>
-                <a:latin typeface="+mn-lt"/>
-                <a:ea typeface="+mn-ea"/>
-                <a:cs typeface="+mn-cs"/>
-              </a:defRPr>
-            </a:lvl8pPr>
-            <a:lvl9pPr marL="4171950" algn="l" defTabSz="1043305" rtl="0" eaLnBrk="1" latinLnBrk="0" hangingPunct="1">
-              <a:defRPr sz="2100" kern="1200">
-                <a:solidFill>
-                  <a:schemeClr val="lt1"/>
-                </a:solidFill>
-                <a:latin typeface="+mn-lt"/>
-                <a:ea typeface="+mn-ea"/>
-                <a:cs typeface="+mn-cs"/>
-              </a:defRPr>
-            </a:lvl9pPr>
-          </a:lstStyle>
-          <a:p>
-            <a:pPr algn="ctr"/>
-            <a:r>
-              <a:rPr lang="pt-PT" altLang="pt-BR" sz="1400" dirty="0">
-                <a:solidFill>
-                  <a:prstClr val="white"/>
-                </a:solidFill>
-                <a:latin typeface="Corbel" panose="020B0503020204020204" pitchFamily="34" charset="0"/>
-              </a:rPr>
-              <a:t>SocketIO</a:t>
-            </a:r>
-            <a:endParaRPr lang="pt-PT" altLang="pt-BR" sz="1400" dirty="0">
-              <a:solidFill>
-                <a:prstClr val="white"/>
-              </a:solidFill>
-              <a:latin typeface="Corbel" panose="020B0503020204020204" pitchFamily="34" charset="0"/>
-            </a:endParaRPr>
-          </a:p>
-        </p:txBody>
-      </p:sp>
-      <p:sp>
-        <p:nvSpPr>
-          <p:cNvPr id="15" name="Fluxograma: Armazenamento de Acesso Direto 7"/>
-          <p:cNvSpPr/>
-          <p:nvPr/>
-        </p:nvSpPr>
-        <p:spPr>
-          <a:xfrm rot="16200000">
-            <a:off x="9784080" y="513715"/>
-            <a:ext cx="1635125" cy="2844165"/>
-          </a:xfrm>
-          <a:prstGeom prst="flowChartMagneticDrum">
-            <a:avLst/>
-          </a:prstGeom>
-          <a:solidFill>
-            <a:schemeClr val="tx2"/>
-          </a:solidFill>
-          <a:ln>
-            <a:solidFill>
-              <a:schemeClr val="tx2">
-                <a:lumMod val="75000"/>
-              </a:schemeClr>
-            </a:solidFill>
-          </a:ln>
-        </p:spPr>
-        <p:style>
-          <a:lnRef idx="2">
-            <a:schemeClr val="accent1">
-              <a:shade val="50000"/>
-            </a:schemeClr>
-          </a:lnRef>
-          <a:fillRef idx="1">
-            <a:schemeClr val="accent1"/>
-          </a:fillRef>
-          <a:effectRef idx="0">
-            <a:schemeClr val="accent1"/>
-          </a:effectRef>
-          <a:fontRef idx="minor">
-            <a:schemeClr val="lt1"/>
-          </a:fontRef>
-        </p:style>
-        <p:txBody>
-          <a:bodyPr rtlCol="0" anchor="ctr"/>
-          <a:p>
-            <a:pPr algn="ctr"/>
-            <a:endParaRPr lang="pt-BR" dirty="0"/>
-          </a:p>
-        </p:txBody>
-      </p:sp>
-      <p:sp>
-        <p:nvSpPr>
-          <p:cNvPr id="16" name="CaixaDeTexto 13"/>
-          <p:cNvSpPr txBox="true"/>
-          <p:nvPr/>
-        </p:nvSpPr>
-        <p:spPr>
-          <a:xfrm>
-            <a:off x="9280525" y="1207135"/>
-            <a:ext cx="2653665" cy="1476375"/>
-          </a:xfrm>
-          <a:prstGeom prst="rect">
-            <a:avLst/>
-          </a:prstGeom>
-          <a:noFill/>
-        </p:spPr>
-        <p:txBody>
-          <a:bodyPr wrap="square" rtlCol="0">
-            <a:spAutoFit/>
-          </a:bodyPr>
-          <a:p>
-            <a:pPr algn="ctr"/>
-            <a:r>
-              <a:rPr lang="pt-PT" altLang="pt-BR" sz="2000" b="1" dirty="0" err="1">
-                <a:solidFill>
-                  <a:schemeClr val="bg1"/>
-                </a:solidFill>
-                <a:latin typeface="Corbel" panose="020B0503020204020204" pitchFamily="34" charset="0"/>
-              </a:rPr>
-              <a:t>EC2</a:t>
-            </a:r>
-            <a:endParaRPr lang="pt-PT" altLang="pt-BR" sz="2000" b="1" dirty="0" err="1">
-              <a:solidFill>
-                <a:schemeClr val="bg1"/>
-              </a:solidFill>
-              <a:latin typeface="Corbel" panose="020B0503020204020204" pitchFamily="34" charset="0"/>
-            </a:endParaRPr>
-          </a:p>
-          <a:p>
-            <a:pPr algn="ctr"/>
-            <a:endParaRPr lang="pt-BR" sz="1400" b="1" dirty="0">
-              <a:solidFill>
-                <a:schemeClr val="bg1"/>
-              </a:solidFill>
-              <a:latin typeface="Corbel" panose="020B0503020204020204" pitchFamily="34" charset="0"/>
-            </a:endParaRPr>
-          </a:p>
-          <a:p>
-            <a:pPr algn="ctr"/>
-            <a:r>
-              <a:rPr lang="pt-BR" sz="1400" dirty="0">
-                <a:solidFill>
-                  <a:schemeClr val="bg1"/>
-                </a:solidFill>
-                <a:latin typeface="Corbel" panose="020B0503020204020204" pitchFamily="34" charset="0"/>
-              </a:rPr>
-              <a:t>(Container: </a:t>
-            </a:r>
-            <a:r>
-              <a:rPr lang="pt-PT" altLang="pt-BR" sz="1400" dirty="0">
-                <a:solidFill>
-                  <a:schemeClr val="bg1"/>
-                </a:solidFill>
-                <a:latin typeface="Corbel" panose="020B0503020204020204" pitchFamily="34" charset="0"/>
-              </a:rPr>
-              <a:t>AWS EC2</a:t>
-            </a:r>
-            <a:r>
-              <a:rPr lang="pt-BR" sz="1400" dirty="0">
-                <a:solidFill>
-                  <a:schemeClr val="bg1"/>
-                </a:solidFill>
-                <a:latin typeface="Corbel" panose="020B0503020204020204" pitchFamily="34" charset="0"/>
-              </a:rPr>
-              <a:t>)</a:t>
-            </a:r>
-            <a:endParaRPr lang="pt-BR" sz="1400" dirty="0">
-              <a:solidFill>
-                <a:schemeClr val="bg1"/>
-              </a:solidFill>
-              <a:latin typeface="Corbel" panose="020B0503020204020204" pitchFamily="34" charset="0"/>
-            </a:endParaRPr>
-          </a:p>
-          <a:p>
-            <a:pPr algn="ctr"/>
-            <a:endParaRPr lang="pt-BR" sz="1400" dirty="0">
-              <a:solidFill>
-                <a:schemeClr val="bg1"/>
-              </a:solidFill>
-              <a:latin typeface="Corbel" panose="020B0503020204020204" pitchFamily="34" charset="0"/>
-            </a:endParaRPr>
-          </a:p>
-          <a:p>
-            <a:pPr algn="ctr"/>
-            <a:r>
-              <a:rPr lang="pt-PT" altLang="pt-BR" sz="1400" dirty="0">
-                <a:solidFill>
-                  <a:schemeClr val="bg1"/>
-                </a:solidFill>
-                <a:latin typeface="Corbel" panose="020B0503020204020204" pitchFamily="34" charset="0"/>
-              </a:rPr>
-              <a:t>Armazena as imagens da aplicação</a:t>
-            </a:r>
-            <a:endParaRPr lang="pt-PT" altLang="pt-BR" sz="1400" dirty="0">
-              <a:solidFill>
-                <a:schemeClr val="bg1"/>
-              </a:solidFill>
-              <a:latin typeface="Corbel" panose="020B0503020204020204" pitchFamily="34" charset="0"/>
-            </a:endParaRPr>
           </a:p>
         </p:txBody>
       </p:sp>
@@ -4500,8 +3736,8 @@
         </p:nvSpPr>
         <p:spPr>
           <a:xfrm>
-            <a:off x="6014720" y="5375275"/>
-            <a:ext cx="2213610" cy="1231900"/>
+            <a:off x="6742084" y="4842512"/>
+            <a:ext cx="1733052" cy="1231900"/>
           </a:xfrm>
           <a:prstGeom prst="rect">
             <a:avLst/>
@@ -4537,7 +3773,7 @@
           </a:fontRef>
         </p:style>
         <p:txBody>
-          <a:bodyPr rtlCol="0" anchor="t" anchorCtr="false"/>
+          <a:bodyPr rtlCol="0" anchor="t" anchorCtr="0"/>
           <a:lstStyle>
             <a:defPPr>
               <a:defRPr lang="pt-BR"/>
@@ -4636,49 +3872,13 @@
           <a:p>
             <a:pPr algn="ctr"/>
             <a:r>
-              <a:rPr lang="pt-PT" altLang="pt-BR" sz="1400" b="1" dirty="0">
+              <a:rPr lang="pt-PT" altLang="pt-BR" sz="1200" b="1" dirty="0">
                 <a:solidFill>
                   <a:schemeClr val="tx1"/>
                 </a:solidFill>
                 <a:latin typeface="Corbel" panose="020B0503020204020204" pitchFamily="34" charset="0"/>
               </a:rPr>
               <a:t>API Pagamentos</a:t>
-            </a:r>
-            <a:endParaRPr lang="pt-BR" sz="1400" dirty="0">
-              <a:solidFill>
-                <a:schemeClr val="tx1"/>
-              </a:solidFill>
-              <a:latin typeface="Corbel" panose="020B0503020204020204" pitchFamily="34" charset="0"/>
-            </a:endParaRPr>
-          </a:p>
-          <a:p>
-            <a:pPr algn="ctr"/>
-            <a:r>
-              <a:rPr lang="pt-BR" sz="1200" dirty="0">
-                <a:solidFill>
-                  <a:schemeClr val="tx1"/>
-                </a:solidFill>
-                <a:latin typeface="Corbel" panose="020B0503020204020204" pitchFamily="34" charset="0"/>
-              </a:rPr>
-              <a:t>[Container: </a:t>
-            </a:r>
-            <a:r>
-              <a:rPr lang="pt-PT" altLang="pt-BR" sz="1200" dirty="0">
-                <a:solidFill>
-                  <a:schemeClr val="tx1"/>
-                </a:solidFill>
-                <a:latin typeface="Corbel" panose="020B0503020204020204" pitchFamily="34" charset="0"/>
-              </a:rPr>
-              <a:t>Pagar.me</a:t>
-            </a:r>
-            <a:r>
-              <a:rPr lang="pt-BR" sz="1200" dirty="0">
-                <a:solidFill>
-                  <a:schemeClr val="tx1"/>
-                </a:solidFill>
-                <a:latin typeface="Corbel" panose="020B0503020204020204" pitchFamily="34" charset="0"/>
-              </a:rPr>
-              <a:t>]</a:t>
             </a:r>
             <a:endParaRPr lang="pt-BR" sz="1200" dirty="0">
               <a:solidFill>
@@ -4689,7 +3889,37 @@
           </a:p>
           <a:p>
             <a:pPr algn="ctr"/>
-            <a:endParaRPr lang="pt-BR" sz="1200" dirty="0">
+            <a:r>
+              <a:rPr lang="pt-BR" sz="1000" dirty="0">
+                <a:solidFill>
+                  <a:schemeClr val="tx1"/>
+                </a:solidFill>
+                <a:latin typeface="Corbel" panose="020B0503020204020204" pitchFamily="34" charset="0"/>
+              </a:rPr>
+              <a:t>[Container: </a:t>
+            </a:r>
+            <a:r>
+              <a:rPr lang="pt-PT" altLang="pt-BR" sz="1000" dirty="0">
+                <a:solidFill>
+                  <a:schemeClr val="tx1"/>
+                </a:solidFill>
+                <a:latin typeface="Corbel" panose="020B0503020204020204" pitchFamily="34" charset="0"/>
+              </a:rPr>
+              <a:t>Pagar.me</a:t>
+            </a:r>
+            <a:r>
+              <a:rPr lang="pt-BR" sz="1000" dirty="0">
+                <a:solidFill>
+                  <a:schemeClr val="tx1"/>
+                </a:solidFill>
+                <a:latin typeface="Corbel" panose="020B0503020204020204" pitchFamily="34" charset="0"/>
+              </a:rPr>
+              <a:t>]</a:t>
+            </a:r>
+          </a:p>
+          <a:p>
+            <a:pPr algn="ctr"/>
+            <a:endParaRPr lang="pt-BR" sz="1000" dirty="0">
               <a:solidFill>
                 <a:schemeClr val="tx1"/>
               </a:solidFill>
@@ -4699,20 +3929,14 @@
           <a:p>
             <a:pPr algn="ctr"/>
             <a:r>
-              <a:rPr lang="pt-PT" altLang="pt-BR" sz="1400" dirty="0">
+              <a:rPr lang="pt-PT" altLang="pt-BR" sz="1000" dirty="0">
                 <a:solidFill>
                   <a:schemeClr val="tx1"/>
                 </a:solidFill>
-                <a:latin typeface="Calibri"/>
+                <a:latin typeface="Corbel" panose="020B0503020204020204" pitchFamily="34" charset="0"/>
               </a:rPr>
               <a:t>Realizar pagamento dos alugueis</a:t>
             </a:r>
-            <a:endParaRPr lang="pt-PT" altLang="pt-BR" sz="1400" dirty="0">
-              <a:solidFill>
-                <a:schemeClr val="tx1"/>
-              </a:solidFill>
-              <a:latin typeface="Calibri"/>
-            </a:endParaRPr>
           </a:p>
         </p:txBody>
       </p:sp>
@@ -4720,15 +3944,16 @@
         <p:nvCxnSpPr>
           <p:cNvPr id="2" name="Conector: Angulado 29"/>
           <p:cNvCxnSpPr>
+            <a:cxnSpLocks/>
             <a:stCxn id="3" idx="1"/>
             <a:endCxn id="6" idx="2"/>
           </p:cNvCxnSpPr>
           <p:nvPr/>
         </p:nvCxnSpPr>
         <p:spPr>
-          <a:xfrm rot="10800000" flipV="true">
-            <a:off x="3237865" y="1034415"/>
-            <a:ext cx="1935480" cy="130810"/>
+          <a:xfrm rot="10800000" flipV="1">
+            <a:off x="2210938" y="699687"/>
+            <a:ext cx="3014257" cy="465853"/>
           </a:xfrm>
           <a:prstGeom prst="bentConnector3">
             <a:avLst>
@@ -4764,15 +3989,16 @@
         <p:nvCxnSpPr>
           <p:cNvPr id="8" name="Conector: Angulado 29"/>
           <p:cNvCxnSpPr>
+            <a:cxnSpLocks/>
             <a:stCxn id="5" idx="0"/>
             <a:endCxn id="3" idx="2"/>
           </p:cNvCxnSpPr>
           <p:nvPr/>
         </p:nvCxnSpPr>
         <p:spPr>
-          <a:xfrm rot="16200000">
-            <a:off x="5424805" y="1363980"/>
-            <a:ext cx="431165" cy="1256030"/>
+          <a:xfrm rot="5400000" flipH="1" flipV="1">
+            <a:off x="5287717" y="904378"/>
+            <a:ext cx="454750" cy="1209960"/>
           </a:xfrm>
           <a:prstGeom prst="bentConnector3">
             <a:avLst>
@@ -4808,15 +4034,16 @@
         <p:nvCxnSpPr>
           <p:cNvPr id="14" name="Conector: Angulado 29"/>
           <p:cNvCxnSpPr>
+            <a:cxnSpLocks/>
             <a:stCxn id="4" idx="0"/>
             <a:endCxn id="3" idx="2"/>
           </p:cNvCxnSpPr>
           <p:nvPr/>
         </p:nvCxnSpPr>
         <p:spPr>
-          <a:xfrm rot="16200000" flipV="true">
-            <a:off x="6774815" y="1270000"/>
-            <a:ext cx="431165" cy="1443990"/>
+          <a:xfrm rot="16200000" flipV="1">
+            <a:off x="6514709" y="887346"/>
+            <a:ext cx="454750" cy="1244023"/>
           </a:xfrm>
           <a:prstGeom prst="bentConnector3">
             <a:avLst>
@@ -4848,136 +4075,6 @@
           </a:fontRef>
         </p:style>
       </p:cxnSp>
-      <p:cxnSp>
-        <p:nvCxnSpPr>
-          <p:cNvPr id="18" name="Conector: Angulado 29"/>
-          <p:cNvCxnSpPr>
-            <a:stCxn id="5" idx="1"/>
-            <a:endCxn id="9" idx="3"/>
-          </p:cNvCxnSpPr>
-          <p:nvPr/>
-        </p:nvCxnSpPr>
-        <p:spPr>
-          <a:xfrm rot="10800000" flipV="true">
-            <a:off x="2794000" y="2959100"/>
-            <a:ext cx="1123315" cy="184785"/>
-          </a:xfrm>
-          <a:prstGeom prst="bentConnector3">
-            <a:avLst>
-              <a:gd name="adj1" fmla="val 49972"/>
-            </a:avLst>
-          </a:prstGeom>
-          <a:ln w="38100">
-            <a:solidFill>
-              <a:schemeClr val="accent1">
-                <a:lumMod val="50000"/>
-              </a:schemeClr>
-            </a:solidFill>
-            <a:prstDash val="sysDash"/>
-            <a:tailEnd type="triangle"/>
-          </a:ln>
-        </p:spPr>
-        <p:style>
-          <a:lnRef idx="1">
-            <a:schemeClr val="accent1"/>
-          </a:lnRef>
-          <a:fillRef idx="0">
-            <a:schemeClr val="accent1"/>
-          </a:fillRef>
-          <a:effectRef idx="0">
-            <a:schemeClr val="accent1"/>
-          </a:effectRef>
-          <a:fontRef idx="minor">
-            <a:schemeClr val="tx1"/>
-          </a:fontRef>
-        </p:style>
-      </p:cxnSp>
-      <p:cxnSp>
-        <p:nvCxnSpPr>
-          <p:cNvPr id="34" name="Conector: Angulado 29"/>
-          <p:cNvCxnSpPr>
-            <a:stCxn id="4" idx="3"/>
-          </p:cNvCxnSpPr>
-          <p:nvPr/>
-        </p:nvCxnSpPr>
-        <p:spPr>
-          <a:xfrm>
-            <a:off x="8808085" y="2959735"/>
-            <a:ext cx="1478280" cy="2414905"/>
-          </a:xfrm>
-          <a:prstGeom prst="bentConnector2">
-            <a:avLst/>
-          </a:prstGeom>
-          <a:ln w="38100">
-            <a:solidFill>
-              <a:schemeClr val="accent1">
-                <a:lumMod val="50000"/>
-              </a:schemeClr>
-            </a:solidFill>
-            <a:prstDash val="sysDash"/>
-            <a:tailEnd type="triangle"/>
-          </a:ln>
-        </p:spPr>
-        <p:style>
-          <a:lnRef idx="1">
-            <a:schemeClr val="accent1"/>
-          </a:lnRef>
-          <a:fillRef idx="0">
-            <a:schemeClr val="accent1"/>
-          </a:fillRef>
-          <a:effectRef idx="0">
-            <a:schemeClr val="accent1"/>
-          </a:effectRef>
-          <a:fontRef idx="minor">
-            <a:schemeClr val="tx1"/>
-          </a:fontRef>
-        </p:style>
-      </p:cxnSp>
-      <p:cxnSp>
-        <p:nvCxnSpPr>
-          <p:cNvPr id="35" name="Conector: Angulado 29"/>
-          <p:cNvCxnSpPr>
-            <a:stCxn id="10" idx="3"/>
-            <a:endCxn id="16" idx="2"/>
-          </p:cNvCxnSpPr>
-          <p:nvPr/>
-        </p:nvCxnSpPr>
-        <p:spPr>
-          <a:xfrm flipH="true" flipV="true">
-            <a:off x="10607675" y="2683510"/>
-            <a:ext cx="651510" cy="3296285"/>
-          </a:xfrm>
-          <a:prstGeom prst="bentConnector4">
-            <a:avLst>
-              <a:gd name="adj1" fmla="val -69980"/>
-              <a:gd name="adj2" fmla="val 59160"/>
-            </a:avLst>
-          </a:prstGeom>
-          <a:ln w="38100">
-            <a:solidFill>
-              <a:schemeClr val="accent1">
-                <a:lumMod val="50000"/>
-              </a:schemeClr>
-            </a:solidFill>
-            <a:prstDash val="sysDash"/>
-            <a:tailEnd type="triangle"/>
-          </a:ln>
-        </p:spPr>
-        <p:style>
-          <a:lnRef idx="1">
-            <a:schemeClr val="accent1"/>
-          </a:lnRef>
-          <a:fillRef idx="0">
-            <a:schemeClr val="accent1"/>
-          </a:fillRef>
-          <a:effectRef idx="0">
-            <a:schemeClr val="accent1"/>
-          </a:effectRef>
-          <a:fontRef idx="minor">
-            <a:schemeClr val="tx1"/>
-          </a:fontRef>
-        </p:style>
-      </p:cxnSp>
       <p:sp>
         <p:nvSpPr>
           <p:cNvPr id="36" name="Retângulo 4"/>
@@ -4986,8 +4083,8 @@
         </p:nvSpPr>
         <p:spPr>
           <a:xfrm>
-            <a:off x="3284220" y="5375275"/>
-            <a:ext cx="2213610" cy="1231900"/>
+            <a:off x="5257825" y="3221441"/>
+            <a:ext cx="1687006" cy="1231900"/>
           </a:xfrm>
           <a:prstGeom prst="rect">
             <a:avLst/>
@@ -5023,7 +4120,7 @@
           </a:fontRef>
         </p:style>
         <p:txBody>
-          <a:bodyPr rtlCol="0" anchor="t" anchorCtr="false"/>
+          <a:bodyPr rtlCol="0" anchor="t" anchorCtr="0"/>
           <a:lstStyle>
             <a:defPPr>
               <a:defRPr lang="pt-BR"/>
@@ -5122,49 +4219,13 @@
           <a:p>
             <a:pPr algn="ctr"/>
             <a:r>
-              <a:rPr lang="pt-PT" altLang="pt-BR" sz="1400" b="1" dirty="0">
+              <a:rPr lang="pt-PT" altLang="pt-BR" sz="1200" b="1" dirty="0">
                 <a:solidFill>
                   <a:schemeClr val="tx1"/>
                 </a:solidFill>
                 <a:latin typeface="Corbel" panose="020B0503020204020204" pitchFamily="34" charset="0"/>
               </a:rPr>
               <a:t>API Endereço</a:t>
-            </a:r>
-            <a:endParaRPr lang="pt-BR" sz="1400" dirty="0">
-              <a:solidFill>
-                <a:schemeClr val="tx1"/>
-              </a:solidFill>
-              <a:latin typeface="Corbel" panose="020B0503020204020204" pitchFamily="34" charset="0"/>
-            </a:endParaRPr>
-          </a:p>
-          <a:p>
-            <a:pPr algn="ctr"/>
-            <a:r>
-              <a:rPr lang="pt-BR" sz="1200" dirty="0">
-                <a:solidFill>
-                  <a:schemeClr val="tx1"/>
-                </a:solidFill>
-                <a:latin typeface="Corbel" panose="020B0503020204020204" pitchFamily="34" charset="0"/>
-              </a:rPr>
-              <a:t>[Container: </a:t>
-            </a:r>
-            <a:r>
-              <a:rPr lang="pt-PT" altLang="pt-BR" sz="1200" dirty="0">
-                <a:solidFill>
-                  <a:schemeClr val="tx1"/>
-                </a:solidFill>
-                <a:latin typeface="Corbel" panose="020B0503020204020204" pitchFamily="34" charset="0"/>
-              </a:rPr>
-              <a:t>ViaCep</a:t>
-            </a:r>
-            <a:r>
-              <a:rPr lang="pt-BR" sz="1200" dirty="0">
-                <a:solidFill>
-                  <a:schemeClr val="tx1"/>
-                </a:solidFill>
-                <a:latin typeface="Corbel" panose="020B0503020204020204" pitchFamily="34" charset="0"/>
-              </a:rPr>
-              <a:t>]</a:t>
             </a:r>
             <a:endParaRPr lang="pt-BR" sz="1200" dirty="0">
               <a:solidFill>
@@ -5175,7 +4236,37 @@
           </a:p>
           <a:p>
             <a:pPr algn="ctr"/>
-            <a:endParaRPr lang="pt-BR" sz="1200" dirty="0">
+            <a:r>
+              <a:rPr lang="pt-BR" sz="1000" dirty="0">
+                <a:solidFill>
+                  <a:schemeClr val="tx1"/>
+                </a:solidFill>
+                <a:latin typeface="Corbel" panose="020B0503020204020204" pitchFamily="34" charset="0"/>
+              </a:rPr>
+              <a:t>[Container: </a:t>
+            </a:r>
+            <a:r>
+              <a:rPr lang="pt-PT" altLang="pt-BR" sz="1000" dirty="0">
+                <a:solidFill>
+                  <a:schemeClr val="tx1"/>
+                </a:solidFill>
+                <a:latin typeface="Corbel" panose="020B0503020204020204" pitchFamily="34" charset="0"/>
+              </a:rPr>
+              <a:t>ViaCep</a:t>
+            </a:r>
+            <a:r>
+              <a:rPr lang="pt-BR" sz="1000" dirty="0">
+                <a:solidFill>
+                  <a:schemeClr val="tx1"/>
+                </a:solidFill>
+                <a:latin typeface="Corbel" panose="020B0503020204020204" pitchFamily="34" charset="0"/>
+              </a:rPr>
+              <a:t>]</a:t>
+            </a:r>
+          </a:p>
+          <a:p>
+            <a:pPr algn="ctr"/>
+            <a:endParaRPr lang="pt-BR" sz="1000" dirty="0">
               <a:solidFill>
                 <a:schemeClr val="tx1"/>
               </a:solidFill>
@@ -5185,20 +4276,14 @@
           <a:p>
             <a:pPr algn="ctr"/>
             <a:r>
-              <a:rPr lang="pt-PT" altLang="pt-BR" sz="1400" dirty="0">
+              <a:rPr lang="pt-PT" altLang="pt-BR" sz="1000" dirty="0">
                 <a:solidFill>
                   <a:schemeClr val="tx1"/>
                 </a:solidFill>
-                <a:latin typeface="Calibri"/>
+                <a:latin typeface="Corbel" panose="020B0503020204020204" pitchFamily="34" charset="0"/>
               </a:rPr>
               <a:t>Buscar dados do cep cadastrado</a:t>
             </a:r>
-            <a:endParaRPr lang="pt-PT" altLang="pt-BR" sz="1400" dirty="0">
-              <a:solidFill>
-                <a:schemeClr val="tx1"/>
-              </a:solidFill>
-              <a:latin typeface="Calibri"/>
-            </a:endParaRPr>
           </a:p>
         </p:txBody>
       </p:sp>
@@ -5210,8 +4295,8 @@
         </p:nvSpPr>
         <p:spPr>
           <a:xfrm>
-            <a:off x="528955" y="5375275"/>
-            <a:ext cx="2213610" cy="1398270"/>
+            <a:off x="3269459" y="4066586"/>
+            <a:ext cx="1687001" cy="1231900"/>
           </a:xfrm>
           <a:prstGeom prst="rect">
             <a:avLst/>
@@ -5247,7 +4332,7 @@
           </a:fontRef>
         </p:style>
         <p:txBody>
-          <a:bodyPr rtlCol="0" anchor="t" anchorCtr="false"/>
+          <a:bodyPr rtlCol="0" anchor="t" anchorCtr="0"/>
           <a:lstStyle>
             <a:defPPr>
               <a:defRPr lang="pt-BR"/>
@@ -5346,49 +4431,13 @@
           <a:p>
             <a:pPr algn="ctr"/>
             <a:r>
-              <a:rPr lang="pt-PT" altLang="pt-BR" sz="1400" b="1" dirty="0">
+              <a:rPr lang="pt-PT" altLang="pt-BR" sz="1200" b="1" dirty="0">
                 <a:solidFill>
                   <a:schemeClr val="tx1"/>
                 </a:solidFill>
                 <a:latin typeface="Corbel" panose="020B0503020204020204" pitchFamily="34" charset="0"/>
               </a:rPr>
               <a:t>API Mapas</a:t>
-            </a:r>
-            <a:endParaRPr lang="pt-BR" sz="1400" dirty="0">
-              <a:solidFill>
-                <a:schemeClr val="tx1"/>
-              </a:solidFill>
-              <a:latin typeface="Corbel" panose="020B0503020204020204" pitchFamily="34" charset="0"/>
-            </a:endParaRPr>
-          </a:p>
-          <a:p>
-            <a:pPr algn="ctr"/>
-            <a:r>
-              <a:rPr lang="pt-BR" sz="1200" dirty="0">
-                <a:solidFill>
-                  <a:schemeClr val="tx1"/>
-                </a:solidFill>
-                <a:latin typeface="Corbel" panose="020B0503020204020204" pitchFamily="34" charset="0"/>
-              </a:rPr>
-              <a:t>[Container: </a:t>
-            </a:r>
-            <a:r>
-              <a:rPr lang="pt-PT" altLang="pt-BR" sz="1200" dirty="0">
-                <a:solidFill>
-                  <a:schemeClr val="tx1"/>
-                </a:solidFill>
-                <a:latin typeface="Corbel" panose="020B0503020204020204" pitchFamily="34" charset="0"/>
-              </a:rPr>
-              <a:t>OpenStreetMap</a:t>
-            </a:r>
-            <a:r>
-              <a:rPr lang="pt-BR" sz="1200" dirty="0">
-                <a:solidFill>
-                  <a:schemeClr val="tx1"/>
-                </a:solidFill>
-                <a:latin typeface="Corbel" panose="020B0503020204020204" pitchFamily="34" charset="0"/>
-              </a:rPr>
-              <a:t>]</a:t>
             </a:r>
             <a:endParaRPr lang="pt-BR" sz="1200" dirty="0">
               <a:solidFill>
@@ -5399,7 +4448,37 @@
           </a:p>
           <a:p>
             <a:pPr algn="ctr"/>
-            <a:endParaRPr lang="pt-BR" sz="1200" dirty="0">
+            <a:r>
+              <a:rPr lang="pt-BR" sz="1000" dirty="0">
+                <a:solidFill>
+                  <a:schemeClr val="tx1"/>
+                </a:solidFill>
+                <a:latin typeface="Corbel" panose="020B0503020204020204" pitchFamily="34" charset="0"/>
+              </a:rPr>
+              <a:t>[Container: </a:t>
+            </a:r>
+            <a:r>
+              <a:rPr lang="pt-PT" altLang="pt-BR" sz="1000" dirty="0">
+                <a:solidFill>
+                  <a:schemeClr val="tx1"/>
+                </a:solidFill>
+                <a:latin typeface="Corbel" panose="020B0503020204020204" pitchFamily="34" charset="0"/>
+              </a:rPr>
+              <a:t>OpenStreetMap</a:t>
+            </a:r>
+            <a:r>
+              <a:rPr lang="pt-BR" sz="1000" dirty="0">
+                <a:solidFill>
+                  <a:schemeClr val="tx1"/>
+                </a:solidFill>
+                <a:latin typeface="Corbel" panose="020B0503020204020204" pitchFamily="34" charset="0"/>
+              </a:rPr>
+              <a:t>]</a:t>
+            </a:r>
+          </a:p>
+          <a:p>
+            <a:pPr algn="ctr"/>
+            <a:endParaRPr lang="pt-BR" sz="1000" dirty="0">
               <a:solidFill>
                 <a:schemeClr val="tx1"/>
               </a:solidFill>
@@ -5409,41 +4488,89 @@
           <a:p>
             <a:pPr algn="ctr"/>
             <a:r>
-              <a:rPr lang="pt-PT" altLang="pt-BR" sz="1400" dirty="0">
+              <a:rPr lang="pt-PT" altLang="pt-BR" sz="1000" dirty="0">
                 <a:solidFill>
                   <a:schemeClr val="tx1"/>
                 </a:solidFill>
-                <a:latin typeface="Calibri"/>
+                <a:latin typeface="Corbel" panose="020B0503020204020204" pitchFamily="34" charset="0"/>
               </a:rPr>
               <a:t>Reenderizar mapa com a localização da garagem</a:t>
             </a:r>
-            <a:endParaRPr lang="pt-PT" altLang="pt-BR" sz="1400" dirty="0">
-              <a:solidFill>
-                <a:schemeClr val="tx1"/>
-              </a:solidFill>
-              <a:latin typeface="Calibri"/>
-            </a:endParaRPr>
           </a:p>
         </p:txBody>
       </p:sp>
       <p:cxnSp>
         <p:nvCxnSpPr>
-          <p:cNvPr id="38" name="Conector: Angulado 29"/>
+          <p:cNvPr id="49" name="Conector: Angulado 29">
+            <a:extLst>
+              <a:ext uri="{FF2B5EF4-FFF2-40B4-BE49-F238E27FC236}">
+                <a16:creationId xmlns:a16="http://schemas.microsoft.com/office/drawing/2014/main" id="{5AA71A0B-209B-4BCA-B742-19B22D5C13A6}"/>
+              </a:ext>
+            </a:extLst>
+          </p:cNvPr>
           <p:cNvCxnSpPr>
+            <a:cxnSpLocks/>
             <a:stCxn id="5" idx="2"/>
-            <a:endCxn id="37" idx="1"/>
+            <a:endCxn id="36" idx="1"/>
+          </p:cNvCxnSpPr>
+          <p:nvPr/>
+        </p:nvCxnSpPr>
+        <p:spPr>
+          <a:xfrm rot="16200000" flipH="1">
+            <a:off x="4647341" y="3226907"/>
+            <a:ext cx="873254" cy="347713"/>
+          </a:xfrm>
+          <a:prstGeom prst="bentConnector2">
+            <a:avLst/>
+          </a:prstGeom>
+          <a:ln w="38100">
+            <a:solidFill>
+              <a:schemeClr val="accent1">
+                <a:lumMod val="50000"/>
+              </a:schemeClr>
+            </a:solidFill>
+            <a:prstDash val="sysDash"/>
+            <a:tailEnd type="triangle"/>
+          </a:ln>
+        </p:spPr>
+        <p:style>
+          <a:lnRef idx="1">
+            <a:schemeClr val="accent1"/>
+          </a:lnRef>
+          <a:fillRef idx="0">
+            <a:schemeClr val="accent1"/>
+          </a:fillRef>
+          <a:effectRef idx="0">
+            <a:schemeClr val="accent1"/>
+          </a:effectRef>
+          <a:fontRef idx="minor">
+            <a:schemeClr val="tx1"/>
+          </a:fontRef>
+        </p:style>
+      </p:cxnSp>
+      <p:cxnSp>
+        <p:nvCxnSpPr>
+          <p:cNvPr id="52" name="Conector: Angulado 29">
+            <a:extLst>
+              <a:ext uri="{FF2B5EF4-FFF2-40B4-BE49-F238E27FC236}">
+                <a16:creationId xmlns:a16="http://schemas.microsoft.com/office/drawing/2014/main" id="{4B1AF853-0F6D-48B3-B44E-1288044E2A94}"/>
+              </a:ext>
+            </a:extLst>
+          </p:cNvPr>
+          <p:cNvCxnSpPr>
+            <a:cxnSpLocks/>
+            <a:endCxn id="37" idx="0"/>
           </p:cNvCxnSpPr>
           <p:nvPr/>
         </p:nvCxnSpPr>
         <p:spPr>
           <a:xfrm rot="5400000">
-            <a:off x="1588770" y="2649855"/>
-            <a:ext cx="2364105" cy="4483735"/>
+            <a:off x="3735592" y="3341504"/>
+            <a:ext cx="1102450" cy="347714"/>
           </a:xfrm>
-          <a:prstGeom prst="bentConnector4">
+          <a:prstGeom prst="bentConnector3">
             <a:avLst>
-              <a:gd name="adj1" fmla="val 18828"/>
-              <a:gd name="adj2" fmla="val 105311"/>
+              <a:gd name="adj1" fmla="val 50000"/>
             </a:avLst>
           </a:prstGeom>
           <a:ln w="38100">
@@ -5473,21 +4600,507 @@
       </p:cxnSp>
       <p:cxnSp>
         <p:nvCxnSpPr>
-          <p:cNvPr id="41" name="Conector: Angulado 29"/>
+          <p:cNvPr id="55" name="Conector: Angulado 29">
+            <a:extLst>
+              <a:ext uri="{FF2B5EF4-FFF2-40B4-BE49-F238E27FC236}">
+                <a16:creationId xmlns:a16="http://schemas.microsoft.com/office/drawing/2014/main" id="{C21DD6BC-7DDF-4A95-AD16-C307D247653C}"/>
+              </a:ext>
+            </a:extLst>
+          </p:cNvPr>
           <p:cNvCxnSpPr>
-            <a:endCxn id="36" idx="1"/>
+            <a:cxnSpLocks/>
+            <a:stCxn id="4" idx="2"/>
+            <a:endCxn id="36" idx="3"/>
           </p:cNvCxnSpPr>
           <p:nvPr/>
         </p:nvCxnSpPr>
         <p:spPr>
           <a:xfrm rot="5400000">
-            <a:off x="3242310" y="3754120"/>
-            <a:ext cx="2279015" cy="2194560"/>
+            <a:off x="6718096" y="3191391"/>
+            <a:ext cx="872735" cy="419264"/>
+          </a:xfrm>
+          <a:prstGeom prst="bentConnector2">
+            <a:avLst/>
+          </a:prstGeom>
+          <a:ln w="38100">
+            <a:solidFill>
+              <a:schemeClr val="accent1">
+                <a:lumMod val="50000"/>
+              </a:schemeClr>
+            </a:solidFill>
+            <a:prstDash val="sysDash"/>
+            <a:tailEnd type="triangle"/>
+          </a:ln>
+        </p:spPr>
+        <p:style>
+          <a:lnRef idx="1">
+            <a:schemeClr val="accent1"/>
+          </a:lnRef>
+          <a:fillRef idx="0">
+            <a:schemeClr val="accent1"/>
+          </a:fillRef>
+          <a:effectRef idx="0">
+            <a:schemeClr val="accent1"/>
+          </a:effectRef>
+          <a:fontRef idx="minor">
+            <a:schemeClr val="tx1"/>
+          </a:fontRef>
+        </p:style>
+      </p:cxnSp>
+      <p:cxnSp>
+        <p:nvCxnSpPr>
+          <p:cNvPr id="58" name="Conector: Angulado 29">
+            <a:extLst>
+              <a:ext uri="{FF2B5EF4-FFF2-40B4-BE49-F238E27FC236}">
+                <a16:creationId xmlns:a16="http://schemas.microsoft.com/office/drawing/2014/main" id="{F4F3FC97-BDD9-4A0C-8985-E7B2CFFCAF0F}"/>
+              </a:ext>
+            </a:extLst>
+          </p:cNvPr>
+          <p:cNvCxnSpPr>
+            <a:cxnSpLocks/>
+            <a:endCxn id="37" idx="3"/>
+          </p:cNvCxnSpPr>
+          <p:nvPr/>
+        </p:nvCxnSpPr>
+        <p:spPr>
+          <a:xfrm rot="10800000" flipV="1">
+            <a:off x="4956460" y="2959660"/>
+            <a:ext cx="2774868" cy="1722876"/>
+          </a:xfrm>
+          <a:prstGeom prst="bentConnector3">
+            <a:avLst>
+              <a:gd name="adj1" fmla="val -167"/>
+            </a:avLst>
+          </a:prstGeom>
+          <a:ln w="38100">
+            <a:solidFill>
+              <a:schemeClr val="accent1">
+                <a:lumMod val="50000"/>
+              </a:schemeClr>
+            </a:solidFill>
+            <a:prstDash val="sysDash"/>
+            <a:tailEnd type="triangle"/>
+          </a:ln>
+        </p:spPr>
+        <p:style>
+          <a:lnRef idx="1">
+            <a:schemeClr val="accent1"/>
+          </a:lnRef>
+          <a:fillRef idx="0">
+            <a:schemeClr val="accent1"/>
+          </a:fillRef>
+          <a:effectRef idx="0">
+            <a:schemeClr val="accent1"/>
+          </a:effectRef>
+          <a:fontRef idx="minor">
+            <a:schemeClr val="tx1"/>
+          </a:fontRef>
+        </p:style>
+      </p:cxnSp>
+      <p:sp>
+        <p:nvSpPr>
+          <p:cNvPr id="111" name="Retângulo 4">
+            <a:extLst>
+              <a:ext uri="{FF2B5EF4-FFF2-40B4-BE49-F238E27FC236}">
+                <a16:creationId xmlns:a16="http://schemas.microsoft.com/office/drawing/2014/main" id="{34E676F8-410F-4C5E-9BD0-14B82383E8D7}"/>
+              </a:ext>
+            </a:extLst>
+          </p:cNvPr>
+          <p:cNvSpPr/>
+          <p:nvPr/>
+        </p:nvSpPr>
+        <p:spPr>
+          <a:xfrm>
+            <a:off x="2974993" y="5637114"/>
+            <a:ext cx="1789115" cy="1124287"/>
+          </a:xfrm>
+          <a:prstGeom prst="rect">
+            <a:avLst/>
+          </a:prstGeom>
+          <a:solidFill>
+            <a:schemeClr val="accent1"/>
+          </a:solidFill>
+          <a:ln>
+            <a:solidFill>
+              <a:schemeClr val="accent1"/>
+            </a:solidFill>
+          </a:ln>
+        </p:spPr>
+        <p:style>
+          <a:lnRef idx="2">
+            <a:schemeClr val="accent5">
+              <a:shade val="50000"/>
+            </a:schemeClr>
+          </a:lnRef>
+          <a:fillRef idx="1">
+            <a:schemeClr val="accent5"/>
+          </a:fillRef>
+          <a:effectRef idx="0">
+            <a:schemeClr val="accent5"/>
+          </a:effectRef>
+          <a:fontRef idx="minor">
+            <a:schemeClr val="lt1"/>
+          </a:fontRef>
+        </p:style>
+        <p:txBody>
+          <a:bodyPr rtlCol="0" anchor="t" anchorCtr="0"/>
+          <a:lstStyle>
+            <a:defPPr>
+              <a:defRPr lang="pt-BR"/>
+            </a:defPPr>
+            <a:lvl1pPr marL="0" algn="l" defTabSz="1043305" rtl="0" eaLnBrk="1" latinLnBrk="0" hangingPunct="1">
+              <a:defRPr sz="2100" kern="1200">
+                <a:solidFill>
+                  <a:schemeClr val="lt1"/>
+                </a:solidFill>
+                <a:latin typeface="+mn-lt"/>
+                <a:ea typeface="+mn-ea"/>
+                <a:cs typeface="+mn-cs"/>
+              </a:defRPr>
+            </a:lvl1pPr>
+            <a:lvl2pPr marL="521335" algn="l" defTabSz="1043305" rtl="0" eaLnBrk="1" latinLnBrk="0" hangingPunct="1">
+              <a:defRPr sz="2100" kern="1200">
+                <a:solidFill>
+                  <a:schemeClr val="lt1"/>
+                </a:solidFill>
+                <a:latin typeface="+mn-lt"/>
+                <a:ea typeface="+mn-ea"/>
+                <a:cs typeface="+mn-cs"/>
+              </a:defRPr>
+            </a:lvl2pPr>
+            <a:lvl3pPr marL="1043305" algn="l" defTabSz="1043305" rtl="0" eaLnBrk="1" latinLnBrk="0" hangingPunct="1">
+              <a:defRPr sz="2100" kern="1200">
+                <a:solidFill>
+                  <a:schemeClr val="lt1"/>
+                </a:solidFill>
+                <a:latin typeface="+mn-lt"/>
+                <a:ea typeface="+mn-ea"/>
+                <a:cs typeface="+mn-cs"/>
+              </a:defRPr>
+            </a:lvl3pPr>
+            <a:lvl4pPr marL="1564640" algn="l" defTabSz="1043305" rtl="0" eaLnBrk="1" latinLnBrk="0" hangingPunct="1">
+              <a:defRPr sz="2100" kern="1200">
+                <a:solidFill>
+                  <a:schemeClr val="lt1"/>
+                </a:solidFill>
+                <a:latin typeface="+mn-lt"/>
+                <a:ea typeface="+mn-ea"/>
+                <a:cs typeface="+mn-cs"/>
+              </a:defRPr>
+            </a:lvl4pPr>
+            <a:lvl5pPr marL="2085975" algn="l" defTabSz="1043305" rtl="0" eaLnBrk="1" latinLnBrk="0" hangingPunct="1">
+              <a:defRPr sz="2100" kern="1200">
+                <a:solidFill>
+                  <a:schemeClr val="lt1"/>
+                </a:solidFill>
+                <a:latin typeface="+mn-lt"/>
+                <a:ea typeface="+mn-ea"/>
+                <a:cs typeface="+mn-cs"/>
+              </a:defRPr>
+            </a:lvl5pPr>
+            <a:lvl6pPr marL="2607945" algn="l" defTabSz="1043305" rtl="0" eaLnBrk="1" latinLnBrk="0" hangingPunct="1">
+              <a:defRPr sz="2100" kern="1200">
+                <a:solidFill>
+                  <a:schemeClr val="lt1"/>
+                </a:solidFill>
+                <a:latin typeface="+mn-lt"/>
+                <a:ea typeface="+mn-ea"/>
+                <a:cs typeface="+mn-cs"/>
+              </a:defRPr>
+            </a:lvl6pPr>
+            <a:lvl7pPr marL="3129280" algn="l" defTabSz="1043305" rtl="0" eaLnBrk="1" latinLnBrk="0" hangingPunct="1">
+              <a:defRPr sz="2100" kern="1200">
+                <a:solidFill>
+                  <a:schemeClr val="lt1"/>
+                </a:solidFill>
+                <a:latin typeface="+mn-lt"/>
+                <a:ea typeface="+mn-ea"/>
+                <a:cs typeface="+mn-cs"/>
+              </a:defRPr>
+            </a:lvl7pPr>
+            <a:lvl8pPr marL="3650615" algn="l" defTabSz="1043305" rtl="0" eaLnBrk="1" latinLnBrk="0" hangingPunct="1">
+              <a:defRPr sz="2100" kern="1200">
+                <a:solidFill>
+                  <a:schemeClr val="lt1"/>
+                </a:solidFill>
+                <a:latin typeface="+mn-lt"/>
+                <a:ea typeface="+mn-ea"/>
+                <a:cs typeface="+mn-cs"/>
+              </a:defRPr>
+            </a:lvl8pPr>
+            <a:lvl9pPr marL="4171950" algn="l" defTabSz="1043305" rtl="0" eaLnBrk="1" latinLnBrk="0" hangingPunct="1">
+              <a:defRPr sz="2100" kern="1200">
+                <a:solidFill>
+                  <a:schemeClr val="lt1"/>
+                </a:solidFill>
+                <a:latin typeface="+mn-lt"/>
+                <a:ea typeface="+mn-ea"/>
+                <a:cs typeface="+mn-cs"/>
+              </a:defRPr>
+            </a:lvl9pPr>
+          </a:lstStyle>
+          <a:p>
+            <a:pPr algn="ctr"/>
+            <a:endParaRPr lang="pt-BR" sz="1800" dirty="0"/>
+          </a:p>
+          <a:p>
+            <a:pPr algn="ctr"/>
+            <a:r>
+              <a:rPr lang="pt-PT" altLang="pt-BR" sz="1200" b="1" dirty="0">
+                <a:solidFill>
+                  <a:prstClr val="white"/>
+                </a:solidFill>
+                <a:latin typeface="Corbel" panose="020B0503020204020204" pitchFamily="34" charset="0"/>
+              </a:rPr>
+              <a:t>Microsservice</a:t>
+            </a:r>
+            <a:endParaRPr lang="pt-BR" sz="1600" dirty="0">
+              <a:latin typeface="Corbel" panose="020B0503020204020204" pitchFamily="34" charset="0"/>
+            </a:endParaRPr>
+          </a:p>
+          <a:p>
+            <a:pPr algn="ctr"/>
+            <a:r>
+              <a:rPr lang="pt-BR" sz="1000" dirty="0">
+                <a:solidFill>
+                  <a:prstClr val="white"/>
+                </a:solidFill>
+                <a:latin typeface="Corbel" panose="020B0503020204020204" pitchFamily="34" charset="0"/>
+              </a:rPr>
+              <a:t>[Container: </a:t>
+            </a:r>
+            <a:r>
+              <a:rPr lang="pt-PT" altLang="pt-BR" sz="1000" dirty="0" err="1">
+                <a:solidFill>
+                  <a:prstClr val="white"/>
+                </a:solidFill>
+                <a:latin typeface="Corbel" panose="020B0503020204020204" pitchFamily="34" charset="0"/>
+              </a:rPr>
+              <a:t>NodeJs</a:t>
+            </a:r>
+            <a:r>
+              <a:rPr lang="pt-BR" sz="1000" dirty="0">
+                <a:solidFill>
+                  <a:prstClr val="white"/>
+                </a:solidFill>
+                <a:latin typeface="Corbel" panose="020B0503020204020204" pitchFamily="34" charset="0"/>
+              </a:rPr>
+              <a:t>]</a:t>
+            </a:r>
+          </a:p>
+          <a:p>
+            <a:pPr algn="ctr"/>
+            <a:endParaRPr lang="pt-BR" sz="1000" dirty="0">
+              <a:solidFill>
+                <a:prstClr val="white"/>
+              </a:solidFill>
+              <a:latin typeface="Corbel" panose="020B0503020204020204" pitchFamily="34" charset="0"/>
+            </a:endParaRPr>
+          </a:p>
+          <a:p>
+            <a:pPr algn="ctr"/>
+            <a:r>
+              <a:rPr lang="pt-PT" altLang="pt-BR" sz="1000" dirty="0">
+                <a:solidFill>
+                  <a:prstClr val="white"/>
+                </a:solidFill>
+                <a:latin typeface="Corbel" panose="020B0503020204020204" pitchFamily="34" charset="0"/>
+              </a:rPr>
+              <a:t>Chat</a:t>
+            </a:r>
+          </a:p>
+        </p:txBody>
+      </p:sp>
+      <p:sp>
+        <p:nvSpPr>
+          <p:cNvPr id="112" name="Retângulo 4">
+            <a:extLst>
+              <a:ext uri="{FF2B5EF4-FFF2-40B4-BE49-F238E27FC236}">
+                <a16:creationId xmlns:a16="http://schemas.microsoft.com/office/drawing/2014/main" id="{8B9C9E89-DF55-4328-9743-A015F4B73618}"/>
+              </a:ext>
+            </a:extLst>
+          </p:cNvPr>
+          <p:cNvSpPr/>
+          <p:nvPr/>
+        </p:nvSpPr>
+        <p:spPr>
+          <a:xfrm>
+            <a:off x="2974995" y="6446119"/>
+            <a:ext cx="737198" cy="274338"/>
+          </a:xfrm>
+          <a:prstGeom prst="rect">
+            <a:avLst/>
+          </a:prstGeom>
+          <a:solidFill>
+            <a:schemeClr val="accent1">
+              <a:lumMod val="75000"/>
+            </a:schemeClr>
+          </a:solidFill>
+          <a:ln>
+            <a:solidFill>
+              <a:schemeClr val="accent1">
+                <a:lumMod val="75000"/>
+              </a:schemeClr>
+            </a:solidFill>
+          </a:ln>
+        </p:spPr>
+        <p:style>
+          <a:lnRef idx="2">
+            <a:schemeClr val="accent5">
+              <a:shade val="50000"/>
+            </a:schemeClr>
+          </a:lnRef>
+          <a:fillRef idx="1">
+            <a:schemeClr val="accent5"/>
+          </a:fillRef>
+          <a:effectRef idx="0">
+            <a:schemeClr val="accent5"/>
+          </a:effectRef>
+          <a:fontRef idx="minor">
+            <a:schemeClr val="lt1"/>
+          </a:fontRef>
+        </p:style>
+        <p:txBody>
+          <a:bodyPr rtlCol="0" anchor="ctr" anchorCtr="0"/>
+          <a:lstStyle>
+            <a:defPPr>
+              <a:defRPr lang="pt-BR"/>
+            </a:defPPr>
+            <a:lvl1pPr marL="0" algn="l" defTabSz="1043305" rtl="0" eaLnBrk="1" latinLnBrk="0" hangingPunct="1">
+              <a:defRPr sz="2100" kern="1200">
+                <a:solidFill>
+                  <a:schemeClr val="lt1"/>
+                </a:solidFill>
+                <a:latin typeface="+mn-lt"/>
+                <a:ea typeface="+mn-ea"/>
+                <a:cs typeface="+mn-cs"/>
+              </a:defRPr>
+            </a:lvl1pPr>
+            <a:lvl2pPr marL="521335" algn="l" defTabSz="1043305" rtl="0" eaLnBrk="1" latinLnBrk="0" hangingPunct="1">
+              <a:defRPr sz="2100" kern="1200">
+                <a:solidFill>
+                  <a:schemeClr val="lt1"/>
+                </a:solidFill>
+                <a:latin typeface="+mn-lt"/>
+                <a:ea typeface="+mn-ea"/>
+                <a:cs typeface="+mn-cs"/>
+              </a:defRPr>
+            </a:lvl2pPr>
+            <a:lvl3pPr marL="1043305" algn="l" defTabSz="1043305" rtl="0" eaLnBrk="1" latinLnBrk="0" hangingPunct="1">
+              <a:defRPr sz="2100" kern="1200">
+                <a:solidFill>
+                  <a:schemeClr val="lt1"/>
+                </a:solidFill>
+                <a:latin typeface="+mn-lt"/>
+                <a:ea typeface="+mn-ea"/>
+                <a:cs typeface="+mn-cs"/>
+              </a:defRPr>
+            </a:lvl3pPr>
+            <a:lvl4pPr marL="1564640" algn="l" defTabSz="1043305" rtl="0" eaLnBrk="1" latinLnBrk="0" hangingPunct="1">
+              <a:defRPr sz="2100" kern="1200">
+                <a:solidFill>
+                  <a:schemeClr val="lt1"/>
+                </a:solidFill>
+                <a:latin typeface="+mn-lt"/>
+                <a:ea typeface="+mn-ea"/>
+                <a:cs typeface="+mn-cs"/>
+              </a:defRPr>
+            </a:lvl4pPr>
+            <a:lvl5pPr marL="2085975" algn="l" defTabSz="1043305" rtl="0" eaLnBrk="1" latinLnBrk="0" hangingPunct="1">
+              <a:defRPr sz="2100" kern="1200">
+                <a:solidFill>
+                  <a:schemeClr val="lt1"/>
+                </a:solidFill>
+                <a:latin typeface="+mn-lt"/>
+                <a:ea typeface="+mn-ea"/>
+                <a:cs typeface="+mn-cs"/>
+              </a:defRPr>
+            </a:lvl5pPr>
+            <a:lvl6pPr marL="2607945" algn="l" defTabSz="1043305" rtl="0" eaLnBrk="1" latinLnBrk="0" hangingPunct="1">
+              <a:defRPr sz="2100" kern="1200">
+                <a:solidFill>
+                  <a:schemeClr val="lt1"/>
+                </a:solidFill>
+                <a:latin typeface="+mn-lt"/>
+                <a:ea typeface="+mn-ea"/>
+                <a:cs typeface="+mn-cs"/>
+              </a:defRPr>
+            </a:lvl6pPr>
+            <a:lvl7pPr marL="3129280" algn="l" defTabSz="1043305" rtl="0" eaLnBrk="1" latinLnBrk="0" hangingPunct="1">
+              <a:defRPr sz="2100" kern="1200">
+                <a:solidFill>
+                  <a:schemeClr val="lt1"/>
+                </a:solidFill>
+                <a:latin typeface="+mn-lt"/>
+                <a:ea typeface="+mn-ea"/>
+                <a:cs typeface="+mn-cs"/>
+              </a:defRPr>
+            </a:lvl7pPr>
+            <a:lvl8pPr marL="3650615" algn="l" defTabSz="1043305" rtl="0" eaLnBrk="1" latinLnBrk="0" hangingPunct="1">
+              <a:defRPr sz="2100" kern="1200">
+                <a:solidFill>
+                  <a:schemeClr val="lt1"/>
+                </a:solidFill>
+                <a:latin typeface="+mn-lt"/>
+                <a:ea typeface="+mn-ea"/>
+                <a:cs typeface="+mn-cs"/>
+              </a:defRPr>
+            </a:lvl8pPr>
+            <a:lvl9pPr marL="4171950" algn="l" defTabSz="1043305" rtl="0" eaLnBrk="1" latinLnBrk="0" hangingPunct="1">
+              <a:defRPr sz="2100" kern="1200">
+                <a:solidFill>
+                  <a:schemeClr val="lt1"/>
+                </a:solidFill>
+                <a:latin typeface="+mn-lt"/>
+                <a:ea typeface="+mn-ea"/>
+                <a:cs typeface="+mn-cs"/>
+              </a:defRPr>
+            </a:lvl9pPr>
+          </a:lstStyle>
+          <a:p>
+            <a:pPr algn="ctr"/>
+            <a:r>
+              <a:rPr lang="pt-PT" altLang="pt-BR" sz="1050" dirty="0">
+                <a:solidFill>
+                  <a:prstClr val="white"/>
+                </a:solidFill>
+                <a:latin typeface="Corbel" panose="020B0503020204020204" pitchFamily="34" charset="0"/>
+              </a:rPr>
+              <a:t>SocketIO</a:t>
+            </a:r>
+            <a:endParaRPr lang="pt-PT" altLang="pt-BR" sz="1400" dirty="0">
+              <a:solidFill>
+                <a:prstClr val="white"/>
+              </a:solidFill>
+              <a:latin typeface="Corbel" panose="020B0503020204020204" pitchFamily="34" charset="0"/>
+            </a:endParaRPr>
+          </a:p>
+        </p:txBody>
+      </p:sp>
+      <p:cxnSp>
+        <p:nvCxnSpPr>
+          <p:cNvPr id="193" name="Conector: Angulado 29">
+            <a:extLst>
+              <a:ext uri="{FF2B5EF4-FFF2-40B4-BE49-F238E27FC236}">
+                <a16:creationId xmlns:a16="http://schemas.microsoft.com/office/drawing/2014/main" id="{31B8945E-22BD-477A-B054-D371CEFFC86C}"/>
+              </a:ext>
+            </a:extLst>
+          </p:cNvPr>
+          <p:cNvCxnSpPr>
+            <a:cxnSpLocks/>
+            <a:endCxn id="17" idx="3"/>
+          </p:cNvCxnSpPr>
+          <p:nvPr/>
+        </p:nvCxnSpPr>
+        <p:spPr>
+          <a:xfrm rot="16200000" flipH="1">
+            <a:off x="6907063" y="3890389"/>
+            <a:ext cx="2919978" cy="216167"/>
           </a:xfrm>
           <a:prstGeom prst="bentConnector4">
             <a:avLst>
-              <a:gd name="adj1" fmla="val 34090"/>
-              <a:gd name="adj2" fmla="val 110865"/>
+              <a:gd name="adj1" fmla="val -743"/>
+              <a:gd name="adj2" fmla="val 205752"/>
             </a:avLst>
           </a:prstGeom>
           <a:ln w="38100">
@@ -5517,21 +5130,28 @@
       </p:cxnSp>
       <p:cxnSp>
         <p:nvCxnSpPr>
-          <p:cNvPr id="42" name="Conector: Angulado 29"/>
+          <p:cNvPr id="196" name="Conector: Angulado 29">
+            <a:extLst>
+              <a:ext uri="{FF2B5EF4-FFF2-40B4-BE49-F238E27FC236}">
+                <a16:creationId xmlns:a16="http://schemas.microsoft.com/office/drawing/2014/main" id="{0571A368-B882-4A02-A5D7-6B5903C368B7}"/>
+              </a:ext>
+            </a:extLst>
+          </p:cNvPr>
           <p:cNvCxnSpPr>
-            <a:stCxn id="4" idx="2"/>
-            <a:endCxn id="36" idx="0"/>
+            <a:cxnSpLocks/>
+            <a:stCxn id="5" idx="1"/>
+            <a:endCxn id="17" idx="1"/>
           </p:cNvCxnSpPr>
           <p:nvPr/>
         </p:nvCxnSpPr>
         <p:spPr>
-          <a:xfrm rot="5400000">
-            <a:off x="5219700" y="2881630"/>
-            <a:ext cx="1664335" cy="3321685"/>
+          <a:xfrm rot="10800000" flipH="1" flipV="1">
+            <a:off x="4015238" y="2350434"/>
+            <a:ext cx="2726846" cy="3108027"/>
           </a:xfrm>
           <a:prstGeom prst="bentConnector3">
             <a:avLst>
-              <a:gd name="adj1" fmla="val 75009"/>
+              <a:gd name="adj1" fmla="val -35410"/>
             </a:avLst>
           </a:prstGeom>
           <a:ln w="38100">
@@ -5561,19 +5181,80 @@
       </p:cxnSp>
       <p:cxnSp>
         <p:nvCxnSpPr>
-          <p:cNvPr id="43" name="Conector: Angulado 29"/>
+          <p:cNvPr id="207" name="Conector: Angulado 29">
+            <a:extLst>
+              <a:ext uri="{FF2B5EF4-FFF2-40B4-BE49-F238E27FC236}">
+                <a16:creationId xmlns:a16="http://schemas.microsoft.com/office/drawing/2014/main" id="{CBDD393A-195A-4CB0-B0D8-44A7E2B9C8D3}"/>
+              </a:ext>
+            </a:extLst>
+          </p:cNvPr>
           <p:cNvCxnSpPr>
-            <a:endCxn id="17" idx="3"/>
+            <a:cxnSpLocks/>
+            <a:endCxn id="111" idx="1"/>
           </p:cNvCxnSpPr>
           <p:nvPr/>
         </p:nvCxnSpPr>
         <p:spPr>
           <a:xfrm rot="5400000">
-            <a:off x="7225665" y="4714240"/>
-            <a:ext cx="2279015" cy="274320"/>
+            <a:off x="1493102" y="3677124"/>
+            <a:ext cx="4004026" cy="1040243"/>
           </a:xfrm>
-          <a:prstGeom prst="bentConnector2">
-            <a:avLst/>
+          <a:prstGeom prst="bentConnector4">
+            <a:avLst>
+              <a:gd name="adj1" fmla="val -308"/>
+              <a:gd name="adj2" fmla="val 121976"/>
+            </a:avLst>
+          </a:prstGeom>
+          <a:ln w="38100">
+            <a:solidFill>
+              <a:schemeClr val="accent1">
+                <a:lumMod val="50000"/>
+              </a:schemeClr>
+            </a:solidFill>
+            <a:prstDash val="sysDash"/>
+            <a:tailEnd type="triangle"/>
+          </a:ln>
+        </p:spPr>
+        <p:style>
+          <a:lnRef idx="1">
+            <a:schemeClr val="accent1"/>
+          </a:lnRef>
+          <a:fillRef idx="0">
+            <a:schemeClr val="accent1"/>
+          </a:fillRef>
+          <a:effectRef idx="0">
+            <a:schemeClr val="accent1"/>
+          </a:effectRef>
+          <a:fontRef idx="minor">
+            <a:schemeClr val="tx1"/>
+          </a:fontRef>
+        </p:style>
+      </p:cxnSp>
+      <p:cxnSp>
+        <p:nvCxnSpPr>
+          <p:cNvPr id="213" name="Conector: Angulado 29">
+            <a:extLst>
+              <a:ext uri="{FF2B5EF4-FFF2-40B4-BE49-F238E27FC236}">
+                <a16:creationId xmlns:a16="http://schemas.microsoft.com/office/drawing/2014/main" id="{FAC345EA-0DBE-40CD-9083-45C530729407}"/>
+              </a:ext>
+            </a:extLst>
+          </p:cNvPr>
+          <p:cNvCxnSpPr>
+            <a:cxnSpLocks/>
+            <a:stCxn id="4" idx="3"/>
+            <a:endCxn id="111" idx="3"/>
+          </p:cNvCxnSpPr>
+          <p:nvPr/>
+        </p:nvCxnSpPr>
+        <p:spPr>
+          <a:xfrm flipH="1">
+            <a:off x="4764108" y="2350695"/>
+            <a:ext cx="3494861" cy="3848563"/>
+          </a:xfrm>
+          <a:prstGeom prst="bentConnector3">
+            <a:avLst>
+              <a:gd name="adj1" fmla="val -27629"/>
+            </a:avLst>
           </a:prstGeom>
           <a:ln w="38100">
             <a:solidFill>
@@ -5726,7 +5407,7 @@
         <a:solidFill>
           <a:schemeClr val="phClr"/>
         </a:solidFill>
-        <a:gradFill rotWithShape="true">
+        <a:gradFill rotWithShape="1">
           <a:gsLst>
             <a:gs pos="0">
               <a:schemeClr val="phClr">
@@ -5750,9 +5431,9 @@
               </a:schemeClr>
             </a:gs>
           </a:gsLst>
-          <a:lin ang="5400000" scaled="false"/>
+          <a:lin ang="5400000" scaled="0"/>
         </a:gradFill>
-        <a:gradFill rotWithShape="true">
+        <a:gradFill rotWithShape="1">
           <a:gsLst>
             <a:gs pos="0">
               <a:schemeClr val="phClr">
@@ -5776,7 +5457,7 @@
               </a:schemeClr>
             </a:gs>
           </a:gsLst>
-          <a:lin ang="5400000" scaled="false"/>
+          <a:lin ang="5400000" scaled="0"/>
         </a:gradFill>
       </a:fillStyleLst>
       <a:lnStyleLst>
@@ -5829,7 +5510,7 @@
             <a:satMod val="170000"/>
           </a:schemeClr>
         </a:solidFill>
-        <a:gradFill rotWithShape="true">
+        <a:gradFill rotWithShape="1">
           <a:gsLst>
             <a:gs pos="0">
               <a:schemeClr val="phClr">
@@ -5854,11 +5535,13 @@
               </a:schemeClr>
             </a:gs>
           </a:gsLst>
-          <a:lin ang="5400000" scaled="false"/>
+          <a:lin ang="5400000" scaled="0"/>
         </a:gradFill>
       </a:bgFillStyleLst>
     </a:fmtScheme>
   </a:themeElements>
+  <a:objectDefaults/>
+  <a:extraClrSchemeLst/>
   <a:extLst>
     <a:ext uri="{05A4C25C-085E-4340-85A3-A5531E510DB2}">
       <thm15:themeFamily xmlns:thm15="http://schemas.microsoft.com/office/thememl/2012/main" name="Office Theme" id="{62F939B6-93AF-4DB8-9C6B-D6C7DFDC589F}" vid="{4A3C46E8-61CC-4603-A589-7422A47A8E4A}"/>
